--- a/SisAgricultura.pptx
+++ b/SisAgricultura.pptx
@@ -128,7 +128,7 @@
   </p:defaultTextStyle>
   <p:extLst>
     <p:ext uri="{EFAFB233-063F-42B5-8137-9DF3F51BA10A}">
-      <p15:sldGuideLst xmlns:p15="http://schemas.microsoft.com/office/powerpoint/2012/main">
+      <p15:sldGuideLst xmlns:p15="http://schemas.microsoft.com/office/powerpoint/2012/main" xmlns="">
         <p15:guide id="1" orient="horz" pos="2160">
           <p15:clr>
             <a:srgbClr val="A4A3A4"/>
@@ -8154,6 +8154,964 @@
       <dsp:cNvGrpSpPr/>
     </dsp:nvGrpSpPr>
     <dsp:grpSpPr/>
+    <dsp:sp modelId="{4BAF68BF-E9C3-45DC-BCF0-C89450173447}">
+      <dsp:nvSpPr>
+        <dsp:cNvPr id="0" name=""/>
+        <dsp:cNvSpPr/>
+      </dsp:nvSpPr>
+      <dsp:spPr>
+        <a:xfrm rot="5400000">
+          <a:off x="2010055" y="373857"/>
+          <a:ext cx="1320146" cy="1148527"/>
+        </a:xfrm>
+        <a:prstGeom prst="hexagon">
+          <a:avLst>
+            <a:gd name="adj" fmla="val 25000"/>
+            <a:gd name="vf" fmla="val 115470"/>
+          </a:avLst>
+        </a:prstGeom>
+        <a:gradFill rotWithShape="0">
+          <a:gsLst>
+            <a:gs pos="0">
+              <a:schemeClr val="accent3">
+                <a:hueOff val="0"/>
+                <a:satOff val="0"/>
+                <a:lumOff val="0"/>
+                <a:alphaOff val="0"/>
+                <a:shade val="51000"/>
+                <a:satMod val="130000"/>
+              </a:schemeClr>
+            </a:gs>
+            <a:gs pos="80000">
+              <a:schemeClr val="accent3">
+                <a:hueOff val="0"/>
+                <a:satOff val="0"/>
+                <a:lumOff val="0"/>
+                <a:alphaOff val="0"/>
+                <a:shade val="93000"/>
+                <a:satMod val="130000"/>
+              </a:schemeClr>
+            </a:gs>
+            <a:gs pos="100000">
+              <a:schemeClr val="accent3">
+                <a:hueOff val="0"/>
+                <a:satOff val="0"/>
+                <a:lumOff val="0"/>
+                <a:alphaOff val="0"/>
+                <a:shade val="94000"/>
+                <a:satMod val="135000"/>
+              </a:schemeClr>
+            </a:gs>
+          </a:gsLst>
+          <a:lin ang="16200000" scaled="0"/>
+        </a:gradFill>
+        <a:ln>
+          <a:noFill/>
+        </a:ln>
+        <a:effectLst>
+          <a:outerShdw blurRad="40000" dist="23000" dir="5400000" rotWithShape="0">
+            <a:srgbClr val="000000">
+              <a:alpha val="35000"/>
+            </a:srgbClr>
+          </a:outerShdw>
+        </a:effectLst>
+      </dsp:spPr>
+      <dsp:style>
+        <a:lnRef idx="0">
+          <a:scrgbClr r="0" g="0" b="0"/>
+        </a:lnRef>
+        <a:fillRef idx="3">
+          <a:scrgbClr r="0" g="0" b="0"/>
+        </a:fillRef>
+        <a:effectRef idx="2">
+          <a:scrgbClr r="0" g="0" b="0"/>
+        </a:effectRef>
+        <a:fontRef idx="minor">
+          <a:schemeClr val="lt1"/>
+        </a:fontRef>
+      </dsp:style>
+      <dsp:txBody>
+        <a:bodyPr spcFirstLastPara="0" vert="horz" wrap="square" lIns="53340" tIns="53340" rIns="53340" bIns="53340" numCol="1" spcCol="1270" anchor="ctr" anchorCtr="0">
+          <a:noAutofit/>
+        </a:bodyPr>
+        <a:lstStyle/>
+        <a:p>
+          <a:pPr lvl="0" algn="ctr" defTabSz="622300">
+            <a:lnSpc>
+              <a:spcPct val="90000"/>
+            </a:lnSpc>
+            <a:spcBef>
+              <a:spcPct val="0"/>
+            </a:spcBef>
+            <a:spcAft>
+              <a:spcPct val="35000"/>
+            </a:spcAft>
+          </a:pPr>
+          <a:r>
+            <a:rPr lang="pt-BR" sz="1400" b="1" kern="1200" dirty="0" smtClean="0"/>
+            <a:t>Cadastro</a:t>
+          </a:r>
+          <a:endParaRPr lang="pt-BR" sz="1400" b="1" kern="1200" dirty="0"/>
+        </a:p>
+      </dsp:txBody>
+      <dsp:txXfrm rot="-5400000">
+        <a:off x="2274843" y="493771"/>
+        <a:ext cx="790569" cy="908700"/>
+      </dsp:txXfrm>
+    </dsp:sp>
+    <dsp:sp modelId="{FB2052BF-2AAA-42C6-BE64-9A58D3DAE5D1}">
+      <dsp:nvSpPr>
+        <dsp:cNvPr id="0" name=""/>
+        <dsp:cNvSpPr/>
+      </dsp:nvSpPr>
+      <dsp:spPr>
+        <a:xfrm>
+          <a:off x="3279244" y="552077"/>
+          <a:ext cx="1473283" cy="792088"/>
+        </a:xfrm>
+        <a:prstGeom prst="rect">
+          <a:avLst/>
+        </a:prstGeom>
+        <a:noFill/>
+        <a:ln>
+          <a:noFill/>
+        </a:ln>
+        <a:effectLst/>
+      </dsp:spPr>
+      <dsp:style>
+        <a:lnRef idx="0">
+          <a:scrgbClr r="0" g="0" b="0"/>
+        </a:lnRef>
+        <a:fillRef idx="0">
+          <a:scrgbClr r="0" g="0" b="0"/>
+        </a:fillRef>
+        <a:effectRef idx="0">
+          <a:scrgbClr r="0" g="0" b="0"/>
+        </a:effectRef>
+        <a:fontRef idx="minor"/>
+      </dsp:style>
+      <dsp:txBody>
+        <a:bodyPr spcFirstLastPara="0" vert="horz" wrap="square" lIns="34290" tIns="34290" rIns="34290" bIns="34290" numCol="1" spcCol="1270" anchor="ctr" anchorCtr="0">
+          <a:noAutofit/>
+        </a:bodyPr>
+        <a:lstStyle/>
+        <a:p>
+          <a:pPr lvl="0" algn="l" defTabSz="400050">
+            <a:lnSpc>
+              <a:spcPct val="90000"/>
+            </a:lnSpc>
+            <a:spcBef>
+              <a:spcPct val="0"/>
+            </a:spcBef>
+            <a:spcAft>
+              <a:spcPct val="35000"/>
+            </a:spcAft>
+          </a:pPr>
+          <a:r>
+            <a:rPr lang="pt-BR" sz="900" b="1" kern="1200" dirty="0" smtClean="0"/>
+            <a:t>Plantação</a:t>
+          </a:r>
+          <a:endParaRPr lang="pt-BR" sz="900" b="1" kern="1200" dirty="0"/>
+        </a:p>
+        <a:p>
+          <a:pPr lvl="0" algn="l" defTabSz="400050">
+            <a:lnSpc>
+              <a:spcPct val="90000"/>
+            </a:lnSpc>
+            <a:spcBef>
+              <a:spcPct val="0"/>
+            </a:spcBef>
+            <a:spcAft>
+              <a:spcPct val="35000"/>
+            </a:spcAft>
+          </a:pPr>
+          <a:r>
+            <a:rPr lang="pt-BR" sz="900" b="1" kern="1200" dirty="0" smtClean="0"/>
+            <a:t>Praga</a:t>
+          </a:r>
+          <a:endParaRPr lang="pt-BR" sz="900" b="1" kern="1200" dirty="0"/>
+        </a:p>
+        <a:p>
+          <a:pPr lvl="0" algn="l" defTabSz="400050">
+            <a:lnSpc>
+              <a:spcPct val="90000"/>
+            </a:lnSpc>
+            <a:spcBef>
+              <a:spcPct val="0"/>
+            </a:spcBef>
+            <a:spcAft>
+              <a:spcPct val="35000"/>
+            </a:spcAft>
+          </a:pPr>
+          <a:r>
+            <a:rPr lang="pt-BR" sz="900" b="1" kern="1200" dirty="0" smtClean="0"/>
+            <a:t>Meteorologia</a:t>
+          </a:r>
+          <a:endParaRPr lang="pt-BR" sz="900" b="1" kern="1200" dirty="0"/>
+        </a:p>
+        <a:p>
+          <a:pPr lvl="0" algn="l" defTabSz="400050">
+            <a:lnSpc>
+              <a:spcPct val="90000"/>
+            </a:lnSpc>
+            <a:spcBef>
+              <a:spcPct val="0"/>
+            </a:spcBef>
+            <a:spcAft>
+              <a:spcPct val="35000"/>
+            </a:spcAft>
+          </a:pPr>
+          <a:r>
+            <a:rPr lang="pt-BR" sz="900" b="1" kern="1200" dirty="0" smtClean="0"/>
+            <a:t>Colheita</a:t>
+          </a:r>
+          <a:endParaRPr lang="pt-BR" sz="900" b="1" kern="1200" dirty="0"/>
+        </a:p>
+      </dsp:txBody>
+      <dsp:txXfrm>
+        <a:off x="3279244" y="552077"/>
+        <a:ext cx="1473283" cy="792088"/>
+      </dsp:txXfrm>
+    </dsp:sp>
+    <dsp:sp modelId="{A6B0C8DA-D6D5-4A2E-B828-49BF32CDE390}">
+      <dsp:nvSpPr>
+        <dsp:cNvPr id="0" name=""/>
+        <dsp:cNvSpPr/>
+      </dsp:nvSpPr>
+      <dsp:spPr>
+        <a:xfrm rot="5400000">
+          <a:off x="913647" y="505633"/>
+          <a:ext cx="1032143" cy="884974"/>
+        </a:xfrm>
+        <a:prstGeom prst="hexagon">
+          <a:avLst>
+            <a:gd name="adj" fmla="val 25000"/>
+            <a:gd name="vf" fmla="val 115470"/>
+          </a:avLst>
+        </a:prstGeom>
+        <a:gradFill rotWithShape="0">
+          <a:gsLst>
+            <a:gs pos="0">
+              <a:schemeClr val="accent3">
+                <a:hueOff val="490479"/>
+                <a:satOff val="-16225"/>
+                <a:lumOff val="-235"/>
+                <a:alphaOff val="0"/>
+                <a:shade val="51000"/>
+                <a:satMod val="130000"/>
+              </a:schemeClr>
+            </a:gs>
+            <a:gs pos="80000">
+              <a:schemeClr val="accent3">
+                <a:hueOff val="490479"/>
+                <a:satOff val="-16225"/>
+                <a:lumOff val="-235"/>
+                <a:alphaOff val="0"/>
+                <a:shade val="93000"/>
+                <a:satMod val="130000"/>
+              </a:schemeClr>
+            </a:gs>
+            <a:gs pos="100000">
+              <a:schemeClr val="accent3">
+                <a:hueOff val="490479"/>
+                <a:satOff val="-16225"/>
+                <a:lumOff val="-235"/>
+                <a:alphaOff val="0"/>
+                <a:shade val="94000"/>
+                <a:satMod val="135000"/>
+              </a:schemeClr>
+            </a:gs>
+          </a:gsLst>
+          <a:lin ang="16200000" scaled="0"/>
+        </a:gradFill>
+        <a:ln>
+          <a:noFill/>
+        </a:ln>
+        <a:effectLst>
+          <a:outerShdw blurRad="40000" dist="23000" dir="5400000" rotWithShape="0">
+            <a:srgbClr val="000000">
+              <a:alpha val="35000"/>
+            </a:srgbClr>
+          </a:outerShdw>
+        </a:effectLst>
+      </dsp:spPr>
+      <dsp:style>
+        <a:lnRef idx="0">
+          <a:scrgbClr r="0" g="0" b="0"/>
+        </a:lnRef>
+        <a:fillRef idx="3">
+          <a:scrgbClr r="0" g="0" b="0"/>
+        </a:fillRef>
+        <a:effectRef idx="2">
+          <a:scrgbClr r="0" g="0" b="0"/>
+        </a:effectRef>
+        <a:fontRef idx="minor">
+          <a:schemeClr val="lt1"/>
+        </a:fontRef>
+      </dsp:style>
+      <dsp:txBody>
+        <a:bodyPr spcFirstLastPara="0" vert="horz" wrap="square" lIns="0" tIns="0" rIns="0" bIns="0" numCol="1" spcCol="1270" anchor="ctr" anchorCtr="0">
+          <a:noAutofit/>
+        </a:bodyPr>
+        <a:lstStyle/>
+        <a:p>
+          <a:pPr lvl="0" algn="ctr" defTabSz="1600200">
+            <a:lnSpc>
+              <a:spcPct val="90000"/>
+            </a:lnSpc>
+            <a:spcBef>
+              <a:spcPct val="0"/>
+            </a:spcBef>
+            <a:spcAft>
+              <a:spcPct val="35000"/>
+            </a:spcAft>
+          </a:pPr>
+          <a:endParaRPr lang="pt-BR" sz="3600" b="1" kern="1200"/>
+        </a:p>
+      </dsp:txBody>
+      <dsp:txXfrm rot="-5400000">
+        <a:off x="1124211" y="591809"/>
+        <a:ext cx="611014" cy="712623"/>
+      </dsp:txXfrm>
+    </dsp:sp>
+    <dsp:sp modelId="{FB25C208-8933-4646-A75B-94F91072BD2B}">
+      <dsp:nvSpPr>
+        <dsp:cNvPr id="0" name=""/>
+        <dsp:cNvSpPr/>
+      </dsp:nvSpPr>
+      <dsp:spPr>
+        <a:xfrm rot="5400000">
+          <a:off x="1387474" y="1494397"/>
+          <a:ext cx="1320146" cy="1148527"/>
+        </a:xfrm>
+        <a:prstGeom prst="hexagon">
+          <a:avLst>
+            <a:gd name="adj" fmla="val 25000"/>
+            <a:gd name="vf" fmla="val 115470"/>
+          </a:avLst>
+        </a:prstGeom>
+        <a:gradFill rotWithShape="0">
+          <a:gsLst>
+            <a:gs pos="0">
+              <a:schemeClr val="accent3">
+                <a:hueOff val="980958"/>
+                <a:satOff val="-32450"/>
+                <a:lumOff val="-470"/>
+                <a:alphaOff val="0"/>
+                <a:shade val="51000"/>
+                <a:satMod val="130000"/>
+              </a:schemeClr>
+            </a:gs>
+            <a:gs pos="80000">
+              <a:schemeClr val="accent3">
+                <a:hueOff val="980958"/>
+                <a:satOff val="-32450"/>
+                <a:lumOff val="-470"/>
+                <a:alphaOff val="0"/>
+                <a:shade val="93000"/>
+                <a:satMod val="130000"/>
+              </a:schemeClr>
+            </a:gs>
+            <a:gs pos="100000">
+              <a:schemeClr val="accent3">
+                <a:hueOff val="980958"/>
+                <a:satOff val="-32450"/>
+                <a:lumOff val="-470"/>
+                <a:alphaOff val="0"/>
+                <a:shade val="94000"/>
+                <a:satMod val="135000"/>
+              </a:schemeClr>
+            </a:gs>
+          </a:gsLst>
+          <a:lin ang="16200000" scaled="0"/>
+        </a:gradFill>
+        <a:ln>
+          <a:noFill/>
+        </a:ln>
+        <a:effectLst>
+          <a:outerShdw blurRad="40000" dist="23000" dir="5400000" rotWithShape="0">
+            <a:srgbClr val="000000">
+              <a:alpha val="35000"/>
+            </a:srgbClr>
+          </a:outerShdw>
+        </a:effectLst>
+      </dsp:spPr>
+      <dsp:style>
+        <a:lnRef idx="0">
+          <a:scrgbClr r="0" g="0" b="0"/>
+        </a:lnRef>
+        <a:fillRef idx="3">
+          <a:scrgbClr r="0" g="0" b="0"/>
+        </a:fillRef>
+        <a:effectRef idx="2">
+          <a:scrgbClr r="0" g="0" b="0"/>
+        </a:effectRef>
+        <a:fontRef idx="minor">
+          <a:schemeClr val="lt1"/>
+        </a:fontRef>
+      </dsp:style>
+      <dsp:txBody>
+        <a:bodyPr spcFirstLastPara="0" vert="horz" wrap="square" lIns="53340" tIns="53340" rIns="53340" bIns="53340" numCol="1" spcCol="1270" anchor="ctr" anchorCtr="0">
+          <a:noAutofit/>
+        </a:bodyPr>
+        <a:lstStyle/>
+        <a:p>
+          <a:pPr lvl="0" algn="ctr" defTabSz="622300">
+            <a:lnSpc>
+              <a:spcPct val="90000"/>
+            </a:lnSpc>
+            <a:spcBef>
+              <a:spcPct val="0"/>
+            </a:spcBef>
+            <a:spcAft>
+              <a:spcPct val="35000"/>
+            </a:spcAft>
+          </a:pPr>
+          <a:r>
+            <a:rPr lang="pt-BR" sz="1400" b="1" kern="1200" dirty="0" smtClean="0"/>
+            <a:t>Consulta</a:t>
+          </a:r>
+          <a:endParaRPr lang="pt-BR" sz="1400" b="1" kern="1200" dirty="0"/>
+        </a:p>
+      </dsp:txBody>
+      <dsp:txXfrm rot="-5400000">
+        <a:off x="1652262" y="1614311"/>
+        <a:ext cx="790569" cy="908700"/>
+      </dsp:txXfrm>
+    </dsp:sp>
+    <dsp:sp modelId="{B096C00F-1629-4DB0-93F5-AD98E572F6C2}">
+      <dsp:nvSpPr>
+        <dsp:cNvPr id="0" name=""/>
+        <dsp:cNvSpPr/>
+      </dsp:nvSpPr>
+      <dsp:spPr>
+        <a:xfrm>
+          <a:off x="0" y="1672617"/>
+          <a:ext cx="1425758" cy="792088"/>
+        </a:xfrm>
+        <a:prstGeom prst="rect">
+          <a:avLst/>
+        </a:prstGeom>
+        <a:noFill/>
+        <a:ln>
+          <a:noFill/>
+        </a:ln>
+        <a:effectLst/>
+      </dsp:spPr>
+      <dsp:style>
+        <a:lnRef idx="0">
+          <a:scrgbClr r="0" g="0" b="0"/>
+        </a:lnRef>
+        <a:fillRef idx="0">
+          <a:scrgbClr r="0" g="0" b="0"/>
+        </a:fillRef>
+        <a:effectRef idx="0">
+          <a:scrgbClr r="0" g="0" b="0"/>
+        </a:effectRef>
+        <a:fontRef idx="minor"/>
+      </dsp:style>
+      <dsp:txBody>
+        <a:bodyPr spcFirstLastPara="0" vert="horz" wrap="square" lIns="34290" tIns="34290" rIns="34290" bIns="34290" numCol="1" spcCol="1270" anchor="ctr" anchorCtr="0">
+          <a:noAutofit/>
+        </a:bodyPr>
+        <a:lstStyle/>
+        <a:p>
+          <a:pPr lvl="0" algn="r" defTabSz="400050">
+            <a:lnSpc>
+              <a:spcPct val="90000"/>
+            </a:lnSpc>
+            <a:spcBef>
+              <a:spcPct val="0"/>
+            </a:spcBef>
+            <a:spcAft>
+              <a:spcPct val="35000"/>
+            </a:spcAft>
+          </a:pPr>
+          <a:r>
+            <a:rPr lang="pt-BR" sz="900" b="1" kern="1200" dirty="0" smtClean="0"/>
+            <a:t>Planta</a:t>
+          </a:r>
+          <a:endParaRPr lang="pt-BR" sz="900" b="1" kern="1200" dirty="0"/>
+        </a:p>
+        <a:p>
+          <a:pPr lvl="0" algn="r" defTabSz="400050">
+            <a:lnSpc>
+              <a:spcPct val="90000"/>
+            </a:lnSpc>
+            <a:spcBef>
+              <a:spcPct val="0"/>
+            </a:spcBef>
+            <a:spcAft>
+              <a:spcPct val="35000"/>
+            </a:spcAft>
+          </a:pPr>
+          <a:r>
+            <a:rPr lang="pt-BR" sz="900" b="1" kern="1200" dirty="0" smtClean="0"/>
+            <a:t>Praga</a:t>
+          </a:r>
+          <a:endParaRPr lang="pt-BR" sz="900" b="1" kern="1200" dirty="0"/>
+        </a:p>
+        <a:p>
+          <a:pPr lvl="0" algn="r" defTabSz="400050">
+            <a:lnSpc>
+              <a:spcPct val="90000"/>
+            </a:lnSpc>
+            <a:spcBef>
+              <a:spcPct val="0"/>
+            </a:spcBef>
+            <a:spcAft>
+              <a:spcPct val="35000"/>
+            </a:spcAft>
+          </a:pPr>
+          <a:r>
+            <a:rPr lang="pt-BR" sz="900" b="1" kern="1200" dirty="0" smtClean="0"/>
+            <a:t>Incidência</a:t>
+          </a:r>
+        </a:p>
+        <a:p>
+          <a:pPr lvl="0" algn="r" defTabSz="400050">
+            <a:lnSpc>
+              <a:spcPct val="90000"/>
+            </a:lnSpc>
+            <a:spcBef>
+              <a:spcPct val="0"/>
+            </a:spcBef>
+            <a:spcAft>
+              <a:spcPct val="35000"/>
+            </a:spcAft>
+          </a:pPr>
+          <a:r>
+            <a:rPr lang="pt-BR" sz="900" b="1" kern="1200" dirty="0" smtClean="0"/>
+            <a:t>Balanço</a:t>
+          </a:r>
+        </a:p>
+      </dsp:txBody>
+      <dsp:txXfrm>
+        <a:off x="0" y="1672617"/>
+        <a:ext cx="1425758" cy="792088"/>
+      </dsp:txXfrm>
+    </dsp:sp>
+    <dsp:sp modelId="{11025019-949B-4C1D-9FDC-5E1FA337E4DF}">
+      <dsp:nvSpPr>
+        <dsp:cNvPr id="0" name=""/>
+        <dsp:cNvSpPr/>
+      </dsp:nvSpPr>
+      <dsp:spPr>
+        <a:xfrm rot="5400000">
+          <a:off x="2803476" y="1612202"/>
+          <a:ext cx="968961" cy="912918"/>
+        </a:xfrm>
+        <a:prstGeom prst="hexagon">
+          <a:avLst>
+            <a:gd name="adj" fmla="val 25000"/>
+            <a:gd name="vf" fmla="val 115470"/>
+          </a:avLst>
+        </a:prstGeom>
+        <a:gradFill rotWithShape="0">
+          <a:gsLst>
+            <a:gs pos="0">
+              <a:schemeClr val="accent3">
+                <a:hueOff val="1471437"/>
+                <a:satOff val="-48675"/>
+                <a:lumOff val="-706"/>
+                <a:alphaOff val="0"/>
+                <a:shade val="51000"/>
+                <a:satMod val="130000"/>
+              </a:schemeClr>
+            </a:gs>
+            <a:gs pos="80000">
+              <a:schemeClr val="accent3">
+                <a:hueOff val="1471437"/>
+                <a:satOff val="-48675"/>
+                <a:lumOff val="-706"/>
+                <a:alphaOff val="0"/>
+                <a:shade val="93000"/>
+                <a:satMod val="130000"/>
+              </a:schemeClr>
+            </a:gs>
+            <a:gs pos="100000">
+              <a:schemeClr val="accent3">
+                <a:hueOff val="1471437"/>
+                <a:satOff val="-48675"/>
+                <a:lumOff val="-706"/>
+                <a:alphaOff val="0"/>
+                <a:shade val="94000"/>
+                <a:satMod val="135000"/>
+              </a:schemeClr>
+            </a:gs>
+          </a:gsLst>
+          <a:lin ang="16200000" scaled="0"/>
+        </a:gradFill>
+        <a:ln>
+          <a:noFill/>
+        </a:ln>
+        <a:effectLst>
+          <a:outerShdw blurRad="40000" dist="23000" dir="5400000" rotWithShape="0">
+            <a:srgbClr val="000000">
+              <a:alpha val="35000"/>
+            </a:srgbClr>
+          </a:outerShdw>
+        </a:effectLst>
+      </dsp:spPr>
+      <dsp:style>
+        <a:lnRef idx="0">
+          <a:scrgbClr r="0" g="0" b="0"/>
+        </a:lnRef>
+        <a:fillRef idx="3">
+          <a:scrgbClr r="0" g="0" b="0"/>
+        </a:fillRef>
+        <a:effectRef idx="2">
+          <a:scrgbClr r="0" g="0" b="0"/>
+        </a:effectRef>
+        <a:fontRef idx="minor">
+          <a:schemeClr val="lt1"/>
+        </a:fontRef>
+      </dsp:style>
+      <dsp:txBody>
+        <a:bodyPr spcFirstLastPara="0" vert="horz" wrap="square" lIns="0" tIns="0" rIns="0" bIns="0" numCol="1" spcCol="1270" anchor="ctr" anchorCtr="0">
+          <a:noAutofit/>
+        </a:bodyPr>
+        <a:lstStyle/>
+        <a:p>
+          <a:pPr lvl="0" algn="ctr" defTabSz="1600200">
+            <a:lnSpc>
+              <a:spcPct val="90000"/>
+            </a:lnSpc>
+            <a:spcBef>
+              <a:spcPct val="0"/>
+            </a:spcBef>
+            <a:spcAft>
+              <a:spcPct val="35000"/>
+            </a:spcAft>
+          </a:pPr>
+          <a:endParaRPr lang="pt-BR" sz="3600" b="1" kern="1200"/>
+        </a:p>
+      </dsp:txBody>
+      <dsp:txXfrm rot="-5400000">
+        <a:off x="2979250" y="1741004"/>
+        <a:ext cx="617412" cy="655315"/>
+      </dsp:txXfrm>
+    </dsp:sp>
+    <dsp:sp modelId="{F5EEF9AC-0120-40E8-9152-0CF57A031497}">
+      <dsp:nvSpPr>
+        <dsp:cNvPr id="0" name=""/>
+        <dsp:cNvSpPr/>
+      </dsp:nvSpPr>
+      <dsp:spPr>
+        <a:xfrm rot="5400000">
+          <a:off x="2010055" y="2614938"/>
+          <a:ext cx="1320146" cy="1148527"/>
+        </a:xfrm>
+        <a:prstGeom prst="hexagon">
+          <a:avLst>
+            <a:gd name="adj" fmla="val 25000"/>
+            <a:gd name="vf" fmla="val 115470"/>
+          </a:avLst>
+        </a:prstGeom>
+        <a:gradFill rotWithShape="0">
+          <a:gsLst>
+            <a:gs pos="0">
+              <a:schemeClr val="accent3">
+                <a:hueOff val="1961916"/>
+                <a:satOff val="-64900"/>
+                <a:lumOff val="-941"/>
+                <a:alphaOff val="0"/>
+                <a:shade val="51000"/>
+                <a:satMod val="130000"/>
+              </a:schemeClr>
+            </a:gs>
+            <a:gs pos="80000">
+              <a:schemeClr val="accent3">
+                <a:hueOff val="1961916"/>
+                <a:satOff val="-64900"/>
+                <a:lumOff val="-941"/>
+                <a:alphaOff val="0"/>
+                <a:shade val="93000"/>
+                <a:satMod val="130000"/>
+              </a:schemeClr>
+            </a:gs>
+            <a:gs pos="100000">
+              <a:schemeClr val="accent3">
+                <a:hueOff val="1961916"/>
+                <a:satOff val="-64900"/>
+                <a:lumOff val="-941"/>
+                <a:alphaOff val="0"/>
+                <a:shade val="94000"/>
+                <a:satMod val="135000"/>
+              </a:schemeClr>
+            </a:gs>
+          </a:gsLst>
+          <a:lin ang="16200000" scaled="0"/>
+        </a:gradFill>
+        <a:ln>
+          <a:noFill/>
+        </a:ln>
+        <a:effectLst>
+          <a:outerShdw blurRad="40000" dist="23000" dir="5400000" rotWithShape="0">
+            <a:srgbClr val="000000">
+              <a:alpha val="35000"/>
+            </a:srgbClr>
+          </a:outerShdw>
+        </a:effectLst>
+      </dsp:spPr>
+      <dsp:style>
+        <a:lnRef idx="0">
+          <a:scrgbClr r="0" g="0" b="0"/>
+        </a:lnRef>
+        <a:fillRef idx="3">
+          <a:scrgbClr r="0" g="0" b="0"/>
+        </a:fillRef>
+        <a:effectRef idx="2">
+          <a:scrgbClr r="0" g="0" b="0"/>
+        </a:effectRef>
+        <a:fontRef idx="minor">
+          <a:schemeClr val="lt1"/>
+        </a:fontRef>
+      </dsp:style>
+      <dsp:txBody>
+        <a:bodyPr spcFirstLastPara="0" vert="horz" wrap="square" lIns="53340" tIns="53340" rIns="53340" bIns="53340" numCol="1" spcCol="1270" anchor="ctr" anchorCtr="0">
+          <a:noAutofit/>
+        </a:bodyPr>
+        <a:lstStyle/>
+        <a:p>
+          <a:pPr lvl="0" algn="ctr" defTabSz="622300">
+            <a:lnSpc>
+              <a:spcPct val="90000"/>
+            </a:lnSpc>
+            <a:spcBef>
+              <a:spcPct val="0"/>
+            </a:spcBef>
+            <a:spcAft>
+              <a:spcPct val="35000"/>
+            </a:spcAft>
+          </a:pPr>
+          <a:r>
+            <a:rPr lang="pt-BR" sz="1400" b="1" kern="1200" dirty="0" smtClean="0"/>
+            <a:t>Relatório</a:t>
+          </a:r>
+          <a:endParaRPr lang="pt-BR" sz="1400" b="1" kern="1200" dirty="0"/>
+        </a:p>
+      </dsp:txBody>
+      <dsp:txXfrm rot="-5400000">
+        <a:off x="2274843" y="2734852"/>
+        <a:ext cx="790569" cy="908700"/>
+      </dsp:txXfrm>
+    </dsp:sp>
+    <dsp:sp modelId="{9DAB80C5-DBCD-43D9-BDDA-C9D33E6DD427}">
+      <dsp:nvSpPr>
+        <dsp:cNvPr id="0" name=""/>
+        <dsp:cNvSpPr/>
+      </dsp:nvSpPr>
+      <dsp:spPr>
+        <a:xfrm>
+          <a:off x="3279244" y="2793157"/>
+          <a:ext cx="1473283" cy="792088"/>
+        </a:xfrm>
+        <a:prstGeom prst="rect">
+          <a:avLst/>
+        </a:prstGeom>
+        <a:noFill/>
+        <a:ln>
+          <a:noFill/>
+        </a:ln>
+        <a:effectLst/>
+      </dsp:spPr>
+      <dsp:style>
+        <a:lnRef idx="0">
+          <a:scrgbClr r="0" g="0" b="0"/>
+        </a:lnRef>
+        <a:fillRef idx="0">
+          <a:scrgbClr r="0" g="0" b="0"/>
+        </a:fillRef>
+        <a:effectRef idx="0">
+          <a:scrgbClr r="0" g="0" b="0"/>
+        </a:effectRef>
+        <a:fontRef idx="minor"/>
+      </dsp:style>
+      <dsp:txBody>
+        <a:bodyPr spcFirstLastPara="0" vert="horz" wrap="square" lIns="34290" tIns="34290" rIns="34290" bIns="34290" numCol="1" spcCol="1270" anchor="ctr" anchorCtr="0">
+          <a:noAutofit/>
+        </a:bodyPr>
+        <a:lstStyle/>
+        <a:p>
+          <a:pPr lvl="0" algn="l" defTabSz="400050">
+            <a:lnSpc>
+              <a:spcPct val="90000"/>
+            </a:lnSpc>
+            <a:spcBef>
+              <a:spcPct val="0"/>
+            </a:spcBef>
+            <a:spcAft>
+              <a:spcPct val="35000"/>
+            </a:spcAft>
+          </a:pPr>
+          <a:r>
+            <a:rPr lang="pt-BR" sz="900" b="1" kern="1200" dirty="0" smtClean="0"/>
+            <a:t>Histórico</a:t>
+          </a:r>
+          <a:endParaRPr lang="pt-BR" sz="900" b="1" kern="1200" dirty="0"/>
+        </a:p>
+        <a:p>
+          <a:pPr lvl="0" algn="l" defTabSz="400050">
+            <a:lnSpc>
+              <a:spcPct val="90000"/>
+            </a:lnSpc>
+            <a:spcBef>
+              <a:spcPct val="0"/>
+            </a:spcBef>
+            <a:spcAft>
+              <a:spcPct val="35000"/>
+            </a:spcAft>
+          </a:pPr>
+          <a:r>
+            <a:rPr lang="pt-BR" sz="900" b="1" kern="1200" dirty="0" smtClean="0"/>
+            <a:t>Perda</a:t>
+          </a:r>
+          <a:endParaRPr lang="pt-BR" sz="900" b="1" kern="1200" dirty="0"/>
+        </a:p>
+        <a:p>
+          <a:pPr lvl="0" algn="l" defTabSz="400050">
+            <a:lnSpc>
+              <a:spcPct val="90000"/>
+            </a:lnSpc>
+            <a:spcBef>
+              <a:spcPct val="0"/>
+            </a:spcBef>
+            <a:spcAft>
+              <a:spcPct val="35000"/>
+            </a:spcAft>
+          </a:pPr>
+          <a:r>
+            <a:rPr lang="pt-BR" sz="900" b="1" kern="1200" dirty="0" smtClean="0"/>
+            <a:t>Lucro</a:t>
+          </a:r>
+          <a:endParaRPr lang="pt-BR" sz="900" b="1" kern="1200" dirty="0"/>
+        </a:p>
+        <a:p>
+          <a:pPr lvl="0" algn="l" defTabSz="400050">
+            <a:lnSpc>
+              <a:spcPct val="90000"/>
+            </a:lnSpc>
+            <a:spcBef>
+              <a:spcPct val="0"/>
+            </a:spcBef>
+            <a:spcAft>
+              <a:spcPct val="35000"/>
+            </a:spcAft>
+          </a:pPr>
+          <a:r>
+            <a:rPr lang="pt-BR" sz="900" b="1" kern="1200" dirty="0" smtClean="0"/>
+            <a:t>Recomendações</a:t>
+          </a:r>
+          <a:endParaRPr lang="pt-BR" sz="900" b="1" kern="1200" dirty="0"/>
+        </a:p>
+      </dsp:txBody>
+      <dsp:txXfrm>
+        <a:off x="3279244" y="2793157"/>
+        <a:ext cx="1473283" cy="792088"/>
+      </dsp:txXfrm>
+    </dsp:sp>
+    <dsp:sp modelId="{965E507A-C252-4E07-9C58-CA844D0B2B69}">
+      <dsp:nvSpPr>
+        <dsp:cNvPr id="0" name=""/>
+        <dsp:cNvSpPr/>
+      </dsp:nvSpPr>
+      <dsp:spPr>
+        <a:xfrm rot="5400000">
+          <a:off x="976822" y="2767594"/>
+          <a:ext cx="905792" cy="843214"/>
+        </a:xfrm>
+        <a:prstGeom prst="hexagon">
+          <a:avLst>
+            <a:gd name="adj" fmla="val 25000"/>
+            <a:gd name="vf" fmla="val 115470"/>
+          </a:avLst>
+        </a:prstGeom>
+        <a:gradFill rotWithShape="0">
+          <a:gsLst>
+            <a:gs pos="0">
+              <a:schemeClr val="accent3">
+                <a:hueOff val="2452395"/>
+                <a:satOff val="-81125"/>
+                <a:lumOff val="-1176"/>
+                <a:alphaOff val="0"/>
+                <a:shade val="51000"/>
+                <a:satMod val="130000"/>
+              </a:schemeClr>
+            </a:gs>
+            <a:gs pos="80000">
+              <a:schemeClr val="accent3">
+                <a:hueOff val="2452395"/>
+                <a:satOff val="-81125"/>
+                <a:lumOff val="-1176"/>
+                <a:alphaOff val="0"/>
+                <a:shade val="93000"/>
+                <a:satMod val="130000"/>
+              </a:schemeClr>
+            </a:gs>
+            <a:gs pos="100000">
+              <a:schemeClr val="accent3">
+                <a:hueOff val="2452395"/>
+                <a:satOff val="-81125"/>
+                <a:lumOff val="-1176"/>
+                <a:alphaOff val="0"/>
+                <a:shade val="94000"/>
+                <a:satMod val="135000"/>
+              </a:schemeClr>
+            </a:gs>
+          </a:gsLst>
+          <a:lin ang="16200000" scaled="0"/>
+        </a:gradFill>
+        <a:ln>
+          <a:noFill/>
+        </a:ln>
+        <a:effectLst>
+          <a:outerShdw blurRad="40000" dist="23000" dir="5400000" rotWithShape="0">
+            <a:srgbClr val="000000">
+              <a:alpha val="35000"/>
+            </a:srgbClr>
+          </a:outerShdw>
+        </a:effectLst>
+      </dsp:spPr>
+      <dsp:style>
+        <a:lnRef idx="0">
+          <a:scrgbClr r="0" g="0" b="0"/>
+        </a:lnRef>
+        <a:fillRef idx="3">
+          <a:scrgbClr r="0" g="0" b="0"/>
+        </a:fillRef>
+        <a:effectRef idx="2">
+          <a:scrgbClr r="0" g="0" b="0"/>
+        </a:effectRef>
+        <a:fontRef idx="minor">
+          <a:schemeClr val="lt1"/>
+        </a:fontRef>
+      </dsp:style>
+      <dsp:txBody>
+        <a:bodyPr spcFirstLastPara="0" vert="horz" wrap="square" lIns="0" tIns="0" rIns="0" bIns="0" numCol="1" spcCol="1270" anchor="ctr" anchorCtr="0">
+          <a:noAutofit/>
+        </a:bodyPr>
+        <a:lstStyle/>
+        <a:p>
+          <a:pPr lvl="0" algn="ctr" defTabSz="1600200">
+            <a:lnSpc>
+              <a:spcPct val="90000"/>
+            </a:lnSpc>
+            <a:spcBef>
+              <a:spcPct val="0"/>
+            </a:spcBef>
+            <a:spcAft>
+              <a:spcPct val="35000"/>
+            </a:spcAft>
+          </a:pPr>
+          <a:endParaRPr lang="pt-BR" sz="3600" b="1" kern="1200"/>
+        </a:p>
+      </dsp:txBody>
+      <dsp:txXfrm rot="-5400000">
+        <a:off x="1143792" y="2882057"/>
+        <a:ext cx="571852" cy="614291"/>
+      </dsp:txXfrm>
+    </dsp:sp>
   </dsp:spTree>
 </dsp:drawing>
 </file>
@@ -8166,6 +9124,742 @@
       <dsp:cNvGrpSpPr/>
     </dsp:nvGrpSpPr>
     <dsp:grpSpPr/>
+    <dsp:sp modelId="{8DB74609-33C5-4C29-B199-FC1961C1F2EE}">
+      <dsp:nvSpPr>
+        <dsp:cNvPr id="0" name=""/>
+        <dsp:cNvSpPr/>
+      </dsp:nvSpPr>
+      <dsp:spPr>
+        <a:xfrm>
+          <a:off x="1021794" y="450890"/>
+          <a:ext cx="2074551" cy="502067"/>
+        </a:xfrm>
+        <a:prstGeom prst="rect">
+          <a:avLst/>
+        </a:prstGeom>
+        <a:gradFill rotWithShape="0">
+          <a:gsLst>
+            <a:gs pos="0">
+              <a:schemeClr val="accent3">
+                <a:hueOff val="0"/>
+                <a:satOff val="0"/>
+                <a:lumOff val="0"/>
+                <a:alphaOff val="0"/>
+                <a:shade val="51000"/>
+                <a:satMod val="130000"/>
+              </a:schemeClr>
+            </a:gs>
+            <a:gs pos="80000">
+              <a:schemeClr val="accent3">
+                <a:hueOff val="0"/>
+                <a:satOff val="0"/>
+                <a:lumOff val="0"/>
+                <a:alphaOff val="0"/>
+                <a:shade val="93000"/>
+                <a:satMod val="130000"/>
+              </a:schemeClr>
+            </a:gs>
+            <a:gs pos="100000">
+              <a:schemeClr val="accent3">
+                <a:hueOff val="0"/>
+                <a:satOff val="0"/>
+                <a:lumOff val="0"/>
+                <a:alphaOff val="0"/>
+                <a:shade val="94000"/>
+                <a:satMod val="135000"/>
+              </a:schemeClr>
+            </a:gs>
+          </a:gsLst>
+          <a:lin ang="16200000" scaled="0"/>
+        </a:gradFill>
+        <a:ln>
+          <a:noFill/>
+        </a:ln>
+        <a:effectLst>
+          <a:outerShdw blurRad="40000" dist="23000" dir="5400000" rotWithShape="0">
+            <a:srgbClr val="000000">
+              <a:alpha val="35000"/>
+            </a:srgbClr>
+          </a:outerShdw>
+        </a:effectLst>
+      </dsp:spPr>
+      <dsp:style>
+        <a:lnRef idx="0">
+          <a:scrgbClr r="0" g="0" b="0"/>
+        </a:lnRef>
+        <a:fillRef idx="3">
+          <a:scrgbClr r="0" g="0" b="0"/>
+        </a:fillRef>
+        <a:effectRef idx="2">
+          <a:scrgbClr r="0" g="0" b="0"/>
+        </a:effectRef>
+        <a:fontRef idx="minor">
+          <a:schemeClr val="lt1"/>
+        </a:fontRef>
+      </dsp:style>
+      <dsp:txBody>
+        <a:bodyPr spcFirstLastPara="0" vert="horz" wrap="square" lIns="76200" tIns="76200" rIns="76200" bIns="76200" numCol="1" spcCol="1270" anchor="ctr" anchorCtr="0">
+          <a:noAutofit/>
+        </a:bodyPr>
+        <a:lstStyle/>
+        <a:p>
+          <a:pPr lvl="0" algn="ctr" defTabSz="889000">
+            <a:lnSpc>
+              <a:spcPct val="90000"/>
+            </a:lnSpc>
+            <a:spcBef>
+              <a:spcPct val="0"/>
+            </a:spcBef>
+            <a:spcAft>
+              <a:spcPct val="35000"/>
+            </a:spcAft>
+          </a:pPr>
+          <a:r>
+            <a:rPr lang="pt-BR" sz="2000" b="1" kern="1200" dirty="0" smtClean="0"/>
+            <a:t>Plantação</a:t>
+          </a:r>
+          <a:endParaRPr lang="pt-BR" sz="2000" b="1" kern="1200" dirty="0"/>
+        </a:p>
+      </dsp:txBody>
+      <dsp:txXfrm>
+        <a:off x="1021794" y="450890"/>
+        <a:ext cx="2074551" cy="502067"/>
+      </dsp:txXfrm>
+    </dsp:sp>
+    <dsp:sp modelId="{0355F7E6-60CF-4946-A0C6-18815E83F8A5}">
+      <dsp:nvSpPr>
+        <dsp:cNvPr id="0" name=""/>
+        <dsp:cNvSpPr/>
+      </dsp:nvSpPr>
+      <dsp:spPr>
+        <a:xfrm>
+          <a:off x="0" y="450890"/>
+          <a:ext cx="928903" cy="502067"/>
+        </a:xfrm>
+        <a:prstGeom prst="rect">
+          <a:avLst/>
+        </a:prstGeom>
+        <a:gradFill rotWithShape="0">
+          <a:gsLst>
+            <a:gs pos="0">
+              <a:schemeClr val="accent3">
+                <a:hueOff val="0"/>
+                <a:satOff val="0"/>
+                <a:lumOff val="0"/>
+                <a:alphaOff val="0"/>
+                <a:shade val="51000"/>
+                <a:satMod val="130000"/>
+              </a:schemeClr>
+            </a:gs>
+            <a:gs pos="80000">
+              <a:schemeClr val="accent3">
+                <a:hueOff val="0"/>
+                <a:satOff val="0"/>
+                <a:lumOff val="0"/>
+                <a:alphaOff val="0"/>
+                <a:shade val="93000"/>
+                <a:satMod val="130000"/>
+              </a:schemeClr>
+            </a:gs>
+            <a:gs pos="100000">
+              <a:schemeClr val="accent3">
+                <a:hueOff val="0"/>
+                <a:satOff val="0"/>
+                <a:lumOff val="0"/>
+                <a:alphaOff val="0"/>
+                <a:shade val="94000"/>
+                <a:satMod val="135000"/>
+              </a:schemeClr>
+            </a:gs>
+          </a:gsLst>
+          <a:lin ang="16200000" scaled="0"/>
+        </a:gradFill>
+        <a:ln w="9525" cap="flat" cmpd="sng" algn="ctr">
+          <a:solidFill>
+            <a:schemeClr val="lt1">
+              <a:hueOff val="0"/>
+              <a:satOff val="0"/>
+              <a:lumOff val="0"/>
+              <a:alphaOff val="0"/>
+            </a:schemeClr>
+          </a:solidFill>
+          <a:prstDash val="solid"/>
+        </a:ln>
+        <a:effectLst>
+          <a:outerShdw blurRad="40000" dist="23000" dir="5400000" rotWithShape="0">
+            <a:srgbClr val="000000">
+              <a:alpha val="35000"/>
+            </a:srgbClr>
+          </a:outerShdw>
+        </a:effectLst>
+      </dsp:spPr>
+      <dsp:style>
+        <a:lnRef idx="1">
+          <a:scrgbClr r="0" g="0" b="0"/>
+        </a:lnRef>
+        <a:fillRef idx="3">
+          <a:scrgbClr r="0" g="0" b="0"/>
+        </a:fillRef>
+        <a:effectRef idx="2">
+          <a:scrgbClr r="0" g="0" b="0"/>
+        </a:effectRef>
+        <a:fontRef idx="minor">
+          <a:schemeClr val="lt1"/>
+        </a:fontRef>
+      </dsp:style>
+    </dsp:sp>
+    <dsp:sp modelId="{A7921198-9BAC-4B26-8A6A-74E1ED0F631A}">
+      <dsp:nvSpPr>
+        <dsp:cNvPr id="0" name=""/>
+        <dsp:cNvSpPr/>
+      </dsp:nvSpPr>
+      <dsp:spPr>
+        <a:xfrm>
+          <a:off x="0" y="1107775"/>
+          <a:ext cx="2074551" cy="502067"/>
+        </a:xfrm>
+        <a:prstGeom prst="rect">
+          <a:avLst/>
+        </a:prstGeom>
+        <a:gradFill rotWithShape="0">
+          <a:gsLst>
+            <a:gs pos="0">
+              <a:schemeClr val="accent3">
+                <a:hueOff val="817465"/>
+                <a:satOff val="-27042"/>
+                <a:lumOff val="-392"/>
+                <a:alphaOff val="0"/>
+                <a:shade val="51000"/>
+                <a:satMod val="130000"/>
+              </a:schemeClr>
+            </a:gs>
+            <a:gs pos="80000">
+              <a:schemeClr val="accent3">
+                <a:hueOff val="817465"/>
+                <a:satOff val="-27042"/>
+                <a:lumOff val="-392"/>
+                <a:alphaOff val="0"/>
+                <a:shade val="93000"/>
+                <a:satMod val="130000"/>
+              </a:schemeClr>
+            </a:gs>
+            <a:gs pos="100000">
+              <a:schemeClr val="accent3">
+                <a:hueOff val="817465"/>
+                <a:satOff val="-27042"/>
+                <a:lumOff val="-392"/>
+                <a:alphaOff val="0"/>
+                <a:shade val="94000"/>
+                <a:satMod val="135000"/>
+              </a:schemeClr>
+            </a:gs>
+          </a:gsLst>
+          <a:lin ang="16200000" scaled="0"/>
+        </a:gradFill>
+        <a:ln>
+          <a:noFill/>
+        </a:ln>
+        <a:effectLst>
+          <a:outerShdw blurRad="40000" dist="23000" dir="5400000" rotWithShape="0">
+            <a:srgbClr val="000000">
+              <a:alpha val="35000"/>
+            </a:srgbClr>
+          </a:outerShdw>
+        </a:effectLst>
+      </dsp:spPr>
+      <dsp:style>
+        <a:lnRef idx="0">
+          <a:scrgbClr r="0" g="0" b="0"/>
+        </a:lnRef>
+        <a:fillRef idx="3">
+          <a:scrgbClr r="0" g="0" b="0"/>
+        </a:fillRef>
+        <a:effectRef idx="2">
+          <a:scrgbClr r="0" g="0" b="0"/>
+        </a:effectRef>
+        <a:fontRef idx="minor">
+          <a:schemeClr val="lt1"/>
+        </a:fontRef>
+      </dsp:style>
+      <dsp:txBody>
+        <a:bodyPr spcFirstLastPara="0" vert="horz" wrap="square" lIns="76200" tIns="76200" rIns="76200" bIns="76200" numCol="1" spcCol="1270" anchor="ctr" anchorCtr="0">
+          <a:noAutofit/>
+        </a:bodyPr>
+        <a:lstStyle/>
+        <a:p>
+          <a:pPr lvl="0" algn="ctr" defTabSz="889000">
+            <a:lnSpc>
+              <a:spcPct val="90000"/>
+            </a:lnSpc>
+            <a:spcBef>
+              <a:spcPct val="0"/>
+            </a:spcBef>
+            <a:spcAft>
+              <a:spcPct val="35000"/>
+            </a:spcAft>
+          </a:pPr>
+          <a:r>
+            <a:rPr lang="pt-BR" sz="2000" b="1" kern="1200" dirty="0" smtClean="0"/>
+            <a:t>Praga</a:t>
+          </a:r>
+          <a:endParaRPr lang="pt-BR" sz="2000" b="1" kern="1200" dirty="0"/>
+        </a:p>
+      </dsp:txBody>
+      <dsp:txXfrm>
+        <a:off x="0" y="1107775"/>
+        <a:ext cx="2074551" cy="502067"/>
+      </dsp:txXfrm>
+    </dsp:sp>
+    <dsp:sp modelId="{1A4E5EA3-8880-4F66-A5C1-25B263526D2E}">
+      <dsp:nvSpPr>
+        <dsp:cNvPr id="0" name=""/>
+        <dsp:cNvSpPr/>
+      </dsp:nvSpPr>
+      <dsp:spPr>
+        <a:xfrm>
+          <a:off x="2167442" y="1107775"/>
+          <a:ext cx="928903" cy="502067"/>
+        </a:xfrm>
+        <a:prstGeom prst="rect">
+          <a:avLst/>
+        </a:prstGeom>
+        <a:gradFill rotWithShape="0">
+          <a:gsLst>
+            <a:gs pos="0">
+              <a:schemeClr val="accent3">
+                <a:hueOff val="817465"/>
+                <a:satOff val="-27042"/>
+                <a:lumOff val="-392"/>
+                <a:alphaOff val="0"/>
+                <a:shade val="51000"/>
+                <a:satMod val="130000"/>
+              </a:schemeClr>
+            </a:gs>
+            <a:gs pos="80000">
+              <a:schemeClr val="accent3">
+                <a:hueOff val="817465"/>
+                <a:satOff val="-27042"/>
+                <a:lumOff val="-392"/>
+                <a:alphaOff val="0"/>
+                <a:shade val="93000"/>
+                <a:satMod val="130000"/>
+              </a:schemeClr>
+            </a:gs>
+            <a:gs pos="100000">
+              <a:schemeClr val="accent3">
+                <a:hueOff val="817465"/>
+                <a:satOff val="-27042"/>
+                <a:lumOff val="-392"/>
+                <a:alphaOff val="0"/>
+                <a:shade val="94000"/>
+                <a:satMod val="135000"/>
+              </a:schemeClr>
+            </a:gs>
+          </a:gsLst>
+          <a:lin ang="16200000" scaled="0"/>
+        </a:gradFill>
+        <a:ln w="9525" cap="flat" cmpd="sng" algn="ctr">
+          <a:solidFill>
+            <a:schemeClr val="lt1">
+              <a:hueOff val="0"/>
+              <a:satOff val="0"/>
+              <a:lumOff val="0"/>
+              <a:alphaOff val="0"/>
+            </a:schemeClr>
+          </a:solidFill>
+          <a:prstDash val="solid"/>
+        </a:ln>
+        <a:effectLst>
+          <a:outerShdw blurRad="40000" dist="23000" dir="5400000" rotWithShape="0">
+            <a:srgbClr val="000000">
+              <a:alpha val="35000"/>
+            </a:srgbClr>
+          </a:outerShdw>
+        </a:effectLst>
+      </dsp:spPr>
+      <dsp:style>
+        <a:lnRef idx="1">
+          <a:scrgbClr r="0" g="0" b="0"/>
+        </a:lnRef>
+        <a:fillRef idx="3">
+          <a:scrgbClr r="0" g="0" b="0"/>
+        </a:fillRef>
+        <a:effectRef idx="2">
+          <a:scrgbClr r="0" g="0" b="0"/>
+        </a:effectRef>
+        <a:fontRef idx="minor">
+          <a:schemeClr val="lt1"/>
+        </a:fontRef>
+      </dsp:style>
+    </dsp:sp>
+    <dsp:sp modelId="{EF6543C5-586B-4B58-A0CC-89E2316E44B9}">
+      <dsp:nvSpPr>
+        <dsp:cNvPr id="0" name=""/>
+        <dsp:cNvSpPr/>
+      </dsp:nvSpPr>
+      <dsp:spPr>
+        <a:xfrm>
+          <a:off x="1021794" y="1764660"/>
+          <a:ext cx="2074551" cy="502067"/>
+        </a:xfrm>
+        <a:prstGeom prst="rect">
+          <a:avLst/>
+        </a:prstGeom>
+        <a:gradFill rotWithShape="0">
+          <a:gsLst>
+            <a:gs pos="0">
+              <a:schemeClr val="accent3">
+                <a:hueOff val="1634930"/>
+                <a:satOff val="-54083"/>
+                <a:lumOff val="-784"/>
+                <a:alphaOff val="0"/>
+                <a:shade val="51000"/>
+                <a:satMod val="130000"/>
+              </a:schemeClr>
+            </a:gs>
+            <a:gs pos="80000">
+              <a:schemeClr val="accent3">
+                <a:hueOff val="1634930"/>
+                <a:satOff val="-54083"/>
+                <a:lumOff val="-784"/>
+                <a:alphaOff val="0"/>
+                <a:shade val="93000"/>
+                <a:satMod val="130000"/>
+              </a:schemeClr>
+            </a:gs>
+            <a:gs pos="100000">
+              <a:schemeClr val="accent3">
+                <a:hueOff val="1634930"/>
+                <a:satOff val="-54083"/>
+                <a:lumOff val="-784"/>
+                <a:alphaOff val="0"/>
+                <a:shade val="94000"/>
+                <a:satMod val="135000"/>
+              </a:schemeClr>
+            </a:gs>
+          </a:gsLst>
+          <a:lin ang="16200000" scaled="0"/>
+        </a:gradFill>
+        <a:ln>
+          <a:noFill/>
+        </a:ln>
+        <a:effectLst>
+          <a:outerShdw blurRad="40000" dist="23000" dir="5400000" rotWithShape="0">
+            <a:srgbClr val="000000">
+              <a:alpha val="35000"/>
+            </a:srgbClr>
+          </a:outerShdw>
+        </a:effectLst>
+      </dsp:spPr>
+      <dsp:style>
+        <a:lnRef idx="0">
+          <a:scrgbClr r="0" g="0" b="0"/>
+        </a:lnRef>
+        <a:fillRef idx="3">
+          <a:scrgbClr r="0" g="0" b="0"/>
+        </a:fillRef>
+        <a:effectRef idx="2">
+          <a:scrgbClr r="0" g="0" b="0"/>
+        </a:effectRef>
+        <a:fontRef idx="minor">
+          <a:schemeClr val="lt1"/>
+        </a:fontRef>
+      </dsp:style>
+      <dsp:txBody>
+        <a:bodyPr spcFirstLastPara="0" vert="horz" wrap="square" lIns="76200" tIns="76200" rIns="76200" bIns="76200" numCol="1" spcCol="1270" anchor="ctr" anchorCtr="0">
+          <a:noAutofit/>
+        </a:bodyPr>
+        <a:lstStyle/>
+        <a:p>
+          <a:pPr lvl="0" algn="ctr" defTabSz="889000">
+            <a:lnSpc>
+              <a:spcPct val="90000"/>
+            </a:lnSpc>
+            <a:spcBef>
+              <a:spcPct val="0"/>
+            </a:spcBef>
+            <a:spcAft>
+              <a:spcPct val="35000"/>
+            </a:spcAft>
+          </a:pPr>
+          <a:r>
+            <a:rPr lang="pt-BR" sz="2000" b="1" kern="1200" dirty="0" smtClean="0"/>
+            <a:t>Meteorologia</a:t>
+          </a:r>
+          <a:endParaRPr lang="pt-BR" sz="2000" b="1" kern="1200" dirty="0"/>
+        </a:p>
+      </dsp:txBody>
+      <dsp:txXfrm>
+        <a:off x="1021794" y="1764660"/>
+        <a:ext cx="2074551" cy="502067"/>
+      </dsp:txXfrm>
+    </dsp:sp>
+    <dsp:sp modelId="{A7CD0EA0-F9CA-4FB1-96E5-F19477277EB7}">
+      <dsp:nvSpPr>
+        <dsp:cNvPr id="0" name=""/>
+        <dsp:cNvSpPr/>
+      </dsp:nvSpPr>
+      <dsp:spPr>
+        <a:xfrm>
+          <a:off x="0" y="1764660"/>
+          <a:ext cx="928903" cy="502067"/>
+        </a:xfrm>
+        <a:prstGeom prst="rect">
+          <a:avLst/>
+        </a:prstGeom>
+        <a:gradFill rotWithShape="0">
+          <a:gsLst>
+            <a:gs pos="0">
+              <a:schemeClr val="accent3">
+                <a:hueOff val="1634930"/>
+                <a:satOff val="-54083"/>
+                <a:lumOff val="-784"/>
+                <a:alphaOff val="0"/>
+                <a:shade val="51000"/>
+                <a:satMod val="130000"/>
+              </a:schemeClr>
+            </a:gs>
+            <a:gs pos="80000">
+              <a:schemeClr val="accent3">
+                <a:hueOff val="1634930"/>
+                <a:satOff val="-54083"/>
+                <a:lumOff val="-784"/>
+                <a:alphaOff val="0"/>
+                <a:shade val="93000"/>
+                <a:satMod val="130000"/>
+              </a:schemeClr>
+            </a:gs>
+            <a:gs pos="100000">
+              <a:schemeClr val="accent3">
+                <a:hueOff val="1634930"/>
+                <a:satOff val="-54083"/>
+                <a:lumOff val="-784"/>
+                <a:alphaOff val="0"/>
+                <a:shade val="94000"/>
+                <a:satMod val="135000"/>
+              </a:schemeClr>
+            </a:gs>
+          </a:gsLst>
+          <a:lin ang="16200000" scaled="0"/>
+        </a:gradFill>
+        <a:ln w="9525" cap="flat" cmpd="sng" algn="ctr">
+          <a:solidFill>
+            <a:schemeClr val="lt1">
+              <a:hueOff val="0"/>
+              <a:satOff val="0"/>
+              <a:lumOff val="0"/>
+              <a:alphaOff val="0"/>
+            </a:schemeClr>
+          </a:solidFill>
+          <a:prstDash val="solid"/>
+        </a:ln>
+        <a:effectLst>
+          <a:outerShdw blurRad="40000" dist="23000" dir="5400000" rotWithShape="0">
+            <a:srgbClr val="000000">
+              <a:alpha val="35000"/>
+            </a:srgbClr>
+          </a:outerShdw>
+        </a:effectLst>
+      </dsp:spPr>
+      <dsp:style>
+        <a:lnRef idx="1">
+          <a:scrgbClr r="0" g="0" b="0"/>
+        </a:lnRef>
+        <a:fillRef idx="3">
+          <a:scrgbClr r="0" g="0" b="0"/>
+        </a:fillRef>
+        <a:effectRef idx="2">
+          <a:scrgbClr r="0" g="0" b="0"/>
+        </a:effectRef>
+        <a:fontRef idx="minor">
+          <a:schemeClr val="lt1"/>
+        </a:fontRef>
+      </dsp:style>
+    </dsp:sp>
+    <dsp:sp modelId="{B9EDB08E-847E-424E-B533-452F2D4072FA}">
+      <dsp:nvSpPr>
+        <dsp:cNvPr id="0" name=""/>
+        <dsp:cNvSpPr/>
+      </dsp:nvSpPr>
+      <dsp:spPr>
+        <a:xfrm>
+          <a:off x="0" y="2421545"/>
+          <a:ext cx="2074551" cy="502067"/>
+        </a:xfrm>
+        <a:prstGeom prst="rect">
+          <a:avLst/>
+        </a:prstGeom>
+        <a:gradFill rotWithShape="0">
+          <a:gsLst>
+            <a:gs pos="0">
+              <a:schemeClr val="accent3">
+                <a:hueOff val="2452395"/>
+                <a:satOff val="-81125"/>
+                <a:lumOff val="-1176"/>
+                <a:alphaOff val="0"/>
+                <a:shade val="51000"/>
+                <a:satMod val="130000"/>
+              </a:schemeClr>
+            </a:gs>
+            <a:gs pos="80000">
+              <a:schemeClr val="accent3">
+                <a:hueOff val="2452395"/>
+                <a:satOff val="-81125"/>
+                <a:lumOff val="-1176"/>
+                <a:alphaOff val="0"/>
+                <a:shade val="93000"/>
+                <a:satMod val="130000"/>
+              </a:schemeClr>
+            </a:gs>
+            <a:gs pos="100000">
+              <a:schemeClr val="accent3">
+                <a:hueOff val="2452395"/>
+                <a:satOff val="-81125"/>
+                <a:lumOff val="-1176"/>
+                <a:alphaOff val="0"/>
+                <a:shade val="94000"/>
+                <a:satMod val="135000"/>
+              </a:schemeClr>
+            </a:gs>
+          </a:gsLst>
+          <a:lin ang="16200000" scaled="0"/>
+        </a:gradFill>
+        <a:ln>
+          <a:noFill/>
+        </a:ln>
+        <a:effectLst>
+          <a:outerShdw blurRad="40000" dist="23000" dir="5400000" rotWithShape="0">
+            <a:srgbClr val="000000">
+              <a:alpha val="35000"/>
+            </a:srgbClr>
+          </a:outerShdw>
+        </a:effectLst>
+      </dsp:spPr>
+      <dsp:style>
+        <a:lnRef idx="0">
+          <a:scrgbClr r="0" g="0" b="0"/>
+        </a:lnRef>
+        <a:fillRef idx="3">
+          <a:scrgbClr r="0" g="0" b="0"/>
+        </a:fillRef>
+        <a:effectRef idx="2">
+          <a:scrgbClr r="0" g="0" b="0"/>
+        </a:effectRef>
+        <a:fontRef idx="minor">
+          <a:schemeClr val="lt1"/>
+        </a:fontRef>
+      </dsp:style>
+      <dsp:txBody>
+        <a:bodyPr spcFirstLastPara="0" vert="horz" wrap="square" lIns="76200" tIns="76200" rIns="76200" bIns="76200" numCol="1" spcCol="1270" anchor="ctr" anchorCtr="0">
+          <a:noAutofit/>
+        </a:bodyPr>
+        <a:lstStyle/>
+        <a:p>
+          <a:pPr lvl="0" algn="ctr" defTabSz="889000">
+            <a:lnSpc>
+              <a:spcPct val="90000"/>
+            </a:lnSpc>
+            <a:spcBef>
+              <a:spcPct val="0"/>
+            </a:spcBef>
+            <a:spcAft>
+              <a:spcPct val="35000"/>
+            </a:spcAft>
+          </a:pPr>
+          <a:r>
+            <a:rPr lang="pt-BR" sz="2000" b="1" kern="1200" dirty="0" smtClean="0"/>
+            <a:t>Colheita</a:t>
+          </a:r>
+          <a:endParaRPr lang="pt-BR" sz="2000" b="1" kern="1200" dirty="0"/>
+        </a:p>
+      </dsp:txBody>
+      <dsp:txXfrm>
+        <a:off x="0" y="2421545"/>
+        <a:ext cx="2074551" cy="502067"/>
+      </dsp:txXfrm>
+    </dsp:sp>
+    <dsp:sp modelId="{CF9BC013-1D4E-4966-9B34-28C509C8B765}">
+      <dsp:nvSpPr>
+        <dsp:cNvPr id="0" name=""/>
+        <dsp:cNvSpPr/>
+      </dsp:nvSpPr>
+      <dsp:spPr>
+        <a:xfrm>
+          <a:off x="2167442" y="2421545"/>
+          <a:ext cx="928903" cy="502067"/>
+        </a:xfrm>
+        <a:prstGeom prst="rect">
+          <a:avLst/>
+        </a:prstGeom>
+        <a:gradFill rotWithShape="0">
+          <a:gsLst>
+            <a:gs pos="0">
+              <a:schemeClr val="accent3">
+                <a:hueOff val="2452395"/>
+                <a:satOff val="-81125"/>
+                <a:lumOff val="-1176"/>
+                <a:alphaOff val="0"/>
+                <a:shade val="51000"/>
+                <a:satMod val="130000"/>
+              </a:schemeClr>
+            </a:gs>
+            <a:gs pos="80000">
+              <a:schemeClr val="accent3">
+                <a:hueOff val="2452395"/>
+                <a:satOff val="-81125"/>
+                <a:lumOff val="-1176"/>
+                <a:alphaOff val="0"/>
+                <a:shade val="93000"/>
+                <a:satMod val="130000"/>
+              </a:schemeClr>
+            </a:gs>
+            <a:gs pos="100000">
+              <a:schemeClr val="accent3">
+                <a:hueOff val="2452395"/>
+                <a:satOff val="-81125"/>
+                <a:lumOff val="-1176"/>
+                <a:alphaOff val="0"/>
+                <a:shade val="94000"/>
+                <a:satMod val="135000"/>
+              </a:schemeClr>
+            </a:gs>
+          </a:gsLst>
+          <a:lin ang="16200000" scaled="0"/>
+        </a:gradFill>
+        <a:ln w="9525" cap="flat" cmpd="sng" algn="ctr">
+          <a:solidFill>
+            <a:schemeClr val="lt1">
+              <a:hueOff val="0"/>
+              <a:satOff val="0"/>
+              <a:lumOff val="0"/>
+              <a:alphaOff val="0"/>
+            </a:schemeClr>
+          </a:solidFill>
+          <a:prstDash val="solid"/>
+        </a:ln>
+        <a:effectLst>
+          <a:outerShdw blurRad="40000" dist="23000" dir="5400000" rotWithShape="0">
+            <a:srgbClr val="000000">
+              <a:alpha val="35000"/>
+            </a:srgbClr>
+          </a:outerShdw>
+        </a:effectLst>
+      </dsp:spPr>
+      <dsp:style>
+        <a:lnRef idx="1">
+          <a:scrgbClr r="0" g="0" b="0"/>
+        </a:lnRef>
+        <a:fillRef idx="3">
+          <a:scrgbClr r="0" g="0" b="0"/>
+        </a:fillRef>
+        <a:effectRef idx="2">
+          <a:scrgbClr r="0" g="0" b="0"/>
+        </a:effectRef>
+        <a:fontRef idx="minor">
+          <a:schemeClr val="lt1"/>
+        </a:fontRef>
+      </dsp:style>
+    </dsp:sp>
   </dsp:spTree>
 </dsp:drawing>
 </file>
@@ -8178,6 +9872,496 @@
       <dsp:cNvGrpSpPr/>
     </dsp:nvGrpSpPr>
     <dsp:grpSpPr/>
+    <dsp:sp modelId="{3B155102-DB61-4F37-9D5E-2FE4AA9D8230}">
+      <dsp:nvSpPr>
+        <dsp:cNvPr id="0" name=""/>
+        <dsp:cNvSpPr/>
+      </dsp:nvSpPr>
+      <dsp:spPr>
+        <a:xfrm>
+          <a:off x="742644" y="229"/>
+          <a:ext cx="1744455" cy="1046673"/>
+        </a:xfrm>
+        <a:prstGeom prst="rect">
+          <a:avLst/>
+        </a:prstGeom>
+        <a:solidFill>
+          <a:schemeClr val="bg2">
+            <a:lumMod val="50000"/>
+          </a:schemeClr>
+        </a:solidFill>
+        <a:ln>
+          <a:noFill/>
+        </a:ln>
+        <a:effectLst>
+          <a:outerShdw blurRad="40000" dist="23000" dir="5400000" rotWithShape="0">
+            <a:srgbClr val="000000">
+              <a:alpha val="35000"/>
+            </a:srgbClr>
+          </a:outerShdw>
+        </a:effectLst>
+      </dsp:spPr>
+      <dsp:style>
+        <a:lnRef idx="0">
+          <a:scrgbClr r="0" g="0" b="0"/>
+        </a:lnRef>
+        <a:fillRef idx="3">
+          <a:scrgbClr r="0" g="0" b="0"/>
+        </a:fillRef>
+        <a:effectRef idx="2">
+          <a:scrgbClr r="0" g="0" b="0"/>
+        </a:effectRef>
+        <a:fontRef idx="minor">
+          <a:schemeClr val="lt1"/>
+        </a:fontRef>
+      </dsp:style>
+      <dsp:txBody>
+        <a:bodyPr spcFirstLastPara="0" vert="horz" wrap="square" lIns="53340" tIns="53340" rIns="53340" bIns="53340" numCol="1" spcCol="1270" anchor="ctr" anchorCtr="0">
+          <a:noAutofit/>
+        </a:bodyPr>
+        <a:lstStyle/>
+        <a:p>
+          <a:pPr lvl="0" algn="ctr" defTabSz="622300">
+            <a:lnSpc>
+              <a:spcPct val="90000"/>
+            </a:lnSpc>
+            <a:spcBef>
+              <a:spcPct val="0"/>
+            </a:spcBef>
+            <a:spcAft>
+              <a:spcPct val="35000"/>
+            </a:spcAft>
+          </a:pPr>
+          <a:r>
+            <a:rPr lang="pt-BR" sz="1400" b="1" kern="1200" dirty="0" smtClean="0"/>
+            <a:t>Cadastro</a:t>
+          </a:r>
+          <a:endParaRPr lang="pt-BR" sz="1400" b="1" kern="1200" dirty="0"/>
+        </a:p>
+      </dsp:txBody>
+      <dsp:txXfrm>
+        <a:off x="742644" y="229"/>
+        <a:ext cx="1744455" cy="1046673"/>
+      </dsp:txXfrm>
+    </dsp:sp>
+    <dsp:sp modelId="{A10538EE-4EF4-462C-BF91-55E8912CBCDE}">
+      <dsp:nvSpPr>
+        <dsp:cNvPr id="0" name=""/>
+        <dsp:cNvSpPr/>
+      </dsp:nvSpPr>
+      <dsp:spPr>
+        <a:xfrm>
+          <a:off x="2661546" y="229"/>
+          <a:ext cx="1744455" cy="1046673"/>
+        </a:xfrm>
+        <a:prstGeom prst="rect">
+          <a:avLst/>
+        </a:prstGeom>
+        <a:gradFill rotWithShape="0">
+          <a:gsLst>
+            <a:gs pos="0">
+              <a:schemeClr val="accent3">
+                <a:hueOff val="0"/>
+                <a:satOff val="0"/>
+                <a:lumOff val="0"/>
+                <a:alphaOff val="0"/>
+                <a:shade val="51000"/>
+                <a:satMod val="130000"/>
+              </a:schemeClr>
+            </a:gs>
+            <a:gs pos="80000">
+              <a:schemeClr val="accent3">
+                <a:hueOff val="0"/>
+                <a:satOff val="0"/>
+                <a:lumOff val="0"/>
+                <a:alphaOff val="0"/>
+                <a:shade val="93000"/>
+                <a:satMod val="130000"/>
+              </a:schemeClr>
+            </a:gs>
+            <a:gs pos="100000">
+              <a:schemeClr val="accent3">
+                <a:hueOff val="0"/>
+                <a:satOff val="0"/>
+                <a:lumOff val="0"/>
+                <a:alphaOff val="0"/>
+                <a:shade val="94000"/>
+                <a:satMod val="135000"/>
+              </a:schemeClr>
+            </a:gs>
+          </a:gsLst>
+          <a:lin ang="16200000" scaled="0"/>
+        </a:gradFill>
+        <a:ln>
+          <a:noFill/>
+        </a:ln>
+        <a:effectLst>
+          <a:outerShdw blurRad="40000" dist="23000" dir="5400000" rotWithShape="0">
+            <a:srgbClr val="000000">
+              <a:alpha val="35000"/>
+            </a:srgbClr>
+          </a:outerShdw>
+        </a:effectLst>
+      </dsp:spPr>
+      <dsp:style>
+        <a:lnRef idx="0">
+          <a:scrgbClr r="0" g="0" b="0"/>
+        </a:lnRef>
+        <a:fillRef idx="3">
+          <a:scrgbClr r="0" g="0" b="0"/>
+        </a:fillRef>
+        <a:effectRef idx="2">
+          <a:scrgbClr r="0" g="0" b="0"/>
+        </a:effectRef>
+        <a:fontRef idx="minor">
+          <a:schemeClr val="lt1"/>
+        </a:fontRef>
+      </dsp:style>
+      <dsp:txBody>
+        <a:bodyPr spcFirstLastPara="0" vert="horz" wrap="square" lIns="53340" tIns="53340" rIns="53340" bIns="53340" numCol="1" spcCol="1270" anchor="ctr" anchorCtr="0">
+          <a:noAutofit/>
+        </a:bodyPr>
+        <a:lstStyle/>
+        <a:p>
+          <a:pPr lvl="0" algn="ctr" defTabSz="622300">
+            <a:lnSpc>
+              <a:spcPct val="90000"/>
+            </a:lnSpc>
+            <a:spcBef>
+              <a:spcPct val="0"/>
+            </a:spcBef>
+            <a:spcAft>
+              <a:spcPct val="35000"/>
+            </a:spcAft>
+          </a:pPr>
+          <a:r>
+            <a:rPr lang="pt-BR" sz="1400" b="1" kern="1200" dirty="0" smtClean="0"/>
+            <a:t>Registro de Ponto</a:t>
+          </a:r>
+          <a:endParaRPr lang="pt-BR" sz="1400" b="1" kern="1200" dirty="0"/>
+        </a:p>
+      </dsp:txBody>
+      <dsp:txXfrm>
+        <a:off x="2661546" y="229"/>
+        <a:ext cx="1744455" cy="1046673"/>
+      </dsp:txXfrm>
+    </dsp:sp>
+    <dsp:sp modelId="{509431F4-33DA-4233-B9D5-385D2810CE3F}">
+      <dsp:nvSpPr>
+        <dsp:cNvPr id="0" name=""/>
+        <dsp:cNvSpPr/>
+      </dsp:nvSpPr>
+      <dsp:spPr>
+        <a:xfrm>
+          <a:off x="4580447" y="229"/>
+          <a:ext cx="1744455" cy="1046673"/>
+        </a:xfrm>
+        <a:prstGeom prst="rect">
+          <a:avLst/>
+        </a:prstGeom>
+        <a:solidFill>
+          <a:schemeClr val="accent1">
+            <a:lumMod val="50000"/>
+          </a:schemeClr>
+        </a:solidFill>
+        <a:ln>
+          <a:noFill/>
+        </a:ln>
+        <a:effectLst>
+          <a:outerShdw blurRad="40000" dist="23000" dir="5400000" rotWithShape="0">
+            <a:srgbClr val="000000">
+              <a:alpha val="35000"/>
+            </a:srgbClr>
+          </a:outerShdw>
+        </a:effectLst>
+      </dsp:spPr>
+      <dsp:style>
+        <a:lnRef idx="0">
+          <a:scrgbClr r="0" g="0" b="0"/>
+        </a:lnRef>
+        <a:fillRef idx="3">
+          <a:scrgbClr r="0" g="0" b="0"/>
+        </a:fillRef>
+        <a:effectRef idx="2">
+          <a:scrgbClr r="0" g="0" b="0"/>
+        </a:effectRef>
+        <a:fontRef idx="minor">
+          <a:schemeClr val="lt1"/>
+        </a:fontRef>
+      </dsp:style>
+      <dsp:txBody>
+        <a:bodyPr spcFirstLastPara="0" vert="horz" wrap="square" lIns="53340" tIns="53340" rIns="53340" bIns="53340" numCol="1" spcCol="1270" anchor="ctr" anchorCtr="0">
+          <a:noAutofit/>
+        </a:bodyPr>
+        <a:lstStyle/>
+        <a:p>
+          <a:pPr lvl="0" algn="ctr" defTabSz="622300">
+            <a:lnSpc>
+              <a:spcPct val="90000"/>
+            </a:lnSpc>
+            <a:spcBef>
+              <a:spcPct val="0"/>
+            </a:spcBef>
+            <a:spcAft>
+              <a:spcPct val="35000"/>
+            </a:spcAft>
+          </a:pPr>
+          <a:r>
+            <a:rPr lang="pt-BR" sz="1400" b="1" kern="1200" dirty="0" smtClean="0"/>
+            <a:t>Vendas</a:t>
+          </a:r>
+          <a:endParaRPr lang="pt-BR" sz="1400" b="1" kern="1200" dirty="0"/>
+        </a:p>
+      </dsp:txBody>
+      <dsp:txXfrm>
+        <a:off x="4580447" y="229"/>
+        <a:ext cx="1744455" cy="1046673"/>
+      </dsp:txXfrm>
+    </dsp:sp>
+    <dsp:sp modelId="{89FD4D61-DB85-4792-A828-B1F170A7D73D}">
+      <dsp:nvSpPr>
+        <dsp:cNvPr id="0" name=""/>
+        <dsp:cNvSpPr/>
+      </dsp:nvSpPr>
+      <dsp:spPr>
+        <a:xfrm>
+          <a:off x="742644" y="1221348"/>
+          <a:ext cx="1744455" cy="1046673"/>
+        </a:xfrm>
+        <a:prstGeom prst="rect">
+          <a:avLst/>
+        </a:prstGeom>
+        <a:solidFill>
+          <a:srgbClr val="FF3300"/>
+        </a:solidFill>
+        <a:ln>
+          <a:noFill/>
+        </a:ln>
+        <a:effectLst>
+          <a:outerShdw blurRad="40000" dist="23000" dir="5400000" rotWithShape="0">
+            <a:srgbClr val="000000">
+              <a:alpha val="35000"/>
+            </a:srgbClr>
+          </a:outerShdw>
+        </a:effectLst>
+      </dsp:spPr>
+      <dsp:style>
+        <a:lnRef idx="0">
+          <a:scrgbClr r="0" g="0" b="0"/>
+        </a:lnRef>
+        <a:fillRef idx="3">
+          <a:scrgbClr r="0" g="0" b="0"/>
+        </a:fillRef>
+        <a:effectRef idx="2">
+          <a:scrgbClr r="0" g="0" b="0"/>
+        </a:effectRef>
+        <a:fontRef idx="minor">
+          <a:schemeClr val="lt1"/>
+        </a:fontRef>
+      </dsp:style>
+      <dsp:txBody>
+        <a:bodyPr spcFirstLastPara="0" vert="horz" wrap="square" lIns="53340" tIns="53340" rIns="53340" bIns="53340" numCol="1" spcCol="1270" anchor="ctr" anchorCtr="0">
+          <a:noAutofit/>
+        </a:bodyPr>
+        <a:lstStyle/>
+        <a:p>
+          <a:pPr lvl="0" algn="ctr" defTabSz="622300">
+            <a:lnSpc>
+              <a:spcPct val="90000"/>
+            </a:lnSpc>
+            <a:spcBef>
+              <a:spcPct val="0"/>
+            </a:spcBef>
+            <a:spcAft>
+              <a:spcPct val="35000"/>
+            </a:spcAft>
+          </a:pPr>
+          <a:r>
+            <a:rPr lang="pt-BR" sz="1400" b="1" kern="1200" dirty="0" smtClean="0"/>
+            <a:t>Financeiro</a:t>
+          </a:r>
+          <a:endParaRPr lang="pt-BR" sz="1400" b="1" kern="1200" dirty="0"/>
+        </a:p>
+      </dsp:txBody>
+      <dsp:txXfrm>
+        <a:off x="742644" y="1221348"/>
+        <a:ext cx="1744455" cy="1046673"/>
+      </dsp:txXfrm>
+    </dsp:sp>
+    <dsp:sp modelId="{DDCFCFF5-2E0F-4106-A612-B36A3F7E3F8C}">
+      <dsp:nvSpPr>
+        <dsp:cNvPr id="0" name=""/>
+        <dsp:cNvSpPr/>
+      </dsp:nvSpPr>
+      <dsp:spPr>
+        <a:xfrm>
+          <a:off x="2661546" y="1221348"/>
+          <a:ext cx="1744455" cy="1046673"/>
+        </a:xfrm>
+        <a:prstGeom prst="rect">
+          <a:avLst/>
+        </a:prstGeom>
+        <a:gradFill rotWithShape="0">
+          <a:gsLst>
+            <a:gs pos="0">
+              <a:schemeClr val="accent6">
+                <a:hueOff val="0"/>
+                <a:satOff val="0"/>
+                <a:lumOff val="0"/>
+                <a:alphaOff val="0"/>
+                <a:shade val="51000"/>
+                <a:satMod val="130000"/>
+              </a:schemeClr>
+            </a:gs>
+            <a:gs pos="80000">
+              <a:schemeClr val="accent6">
+                <a:hueOff val="0"/>
+                <a:satOff val="0"/>
+                <a:lumOff val="0"/>
+                <a:alphaOff val="0"/>
+                <a:shade val="93000"/>
+                <a:satMod val="130000"/>
+              </a:schemeClr>
+            </a:gs>
+            <a:gs pos="100000">
+              <a:schemeClr val="accent6">
+                <a:hueOff val="0"/>
+                <a:satOff val="0"/>
+                <a:lumOff val="0"/>
+                <a:alphaOff val="0"/>
+                <a:shade val="94000"/>
+                <a:satMod val="135000"/>
+              </a:schemeClr>
+            </a:gs>
+          </a:gsLst>
+          <a:lin ang="16200000" scaled="0"/>
+        </a:gradFill>
+        <a:ln>
+          <a:noFill/>
+        </a:ln>
+        <a:effectLst>
+          <a:outerShdw blurRad="40000" dist="23000" dir="5400000" rotWithShape="0">
+            <a:srgbClr val="000000">
+              <a:alpha val="35000"/>
+            </a:srgbClr>
+          </a:outerShdw>
+        </a:effectLst>
+      </dsp:spPr>
+      <dsp:style>
+        <a:lnRef idx="0">
+          <a:scrgbClr r="0" g="0" b="0"/>
+        </a:lnRef>
+        <a:fillRef idx="3">
+          <a:scrgbClr r="0" g="0" b="0"/>
+        </a:fillRef>
+        <a:effectRef idx="2">
+          <a:scrgbClr r="0" g="0" b="0"/>
+        </a:effectRef>
+        <a:fontRef idx="minor">
+          <a:schemeClr val="lt1"/>
+        </a:fontRef>
+      </dsp:style>
+      <dsp:txBody>
+        <a:bodyPr spcFirstLastPara="0" vert="horz" wrap="square" lIns="53340" tIns="53340" rIns="53340" bIns="53340" numCol="1" spcCol="1270" anchor="ctr" anchorCtr="0">
+          <a:noAutofit/>
+        </a:bodyPr>
+        <a:lstStyle/>
+        <a:p>
+          <a:pPr lvl="0" algn="ctr" defTabSz="622300">
+            <a:lnSpc>
+              <a:spcPct val="90000"/>
+            </a:lnSpc>
+            <a:spcBef>
+              <a:spcPct val="0"/>
+            </a:spcBef>
+            <a:spcAft>
+              <a:spcPct val="35000"/>
+            </a:spcAft>
+          </a:pPr>
+          <a:r>
+            <a:rPr lang="pt-BR" sz="1400" b="1" kern="1200" dirty="0" smtClean="0"/>
+            <a:t>Gerenciamento</a:t>
+          </a:r>
+          <a:endParaRPr lang="pt-BR" sz="1400" b="1" kern="1200" dirty="0"/>
+        </a:p>
+      </dsp:txBody>
+      <dsp:txXfrm>
+        <a:off x="2661546" y="1221348"/>
+        <a:ext cx="1744455" cy="1046673"/>
+      </dsp:txXfrm>
+    </dsp:sp>
+    <dsp:sp modelId="{0F616B5A-FA5C-4A03-9C84-A3955BA658A7}">
+      <dsp:nvSpPr>
+        <dsp:cNvPr id="0" name=""/>
+        <dsp:cNvSpPr/>
+      </dsp:nvSpPr>
+      <dsp:spPr>
+        <a:xfrm>
+          <a:off x="4580447" y="1221348"/>
+          <a:ext cx="1744455" cy="1046673"/>
+        </a:xfrm>
+        <a:prstGeom prst="rect">
+          <a:avLst/>
+        </a:prstGeom>
+        <a:solidFill>
+          <a:schemeClr val="accent5">
+            <a:lumMod val="50000"/>
+          </a:schemeClr>
+        </a:solidFill>
+        <a:ln>
+          <a:noFill/>
+        </a:ln>
+        <a:effectLst>
+          <a:outerShdw blurRad="40000" dist="23000" dir="5400000" rotWithShape="0">
+            <a:srgbClr val="000000">
+              <a:alpha val="35000"/>
+            </a:srgbClr>
+          </a:outerShdw>
+        </a:effectLst>
+      </dsp:spPr>
+      <dsp:style>
+        <a:lnRef idx="0">
+          <a:scrgbClr r="0" g="0" b="0"/>
+        </a:lnRef>
+        <a:fillRef idx="3">
+          <a:scrgbClr r="0" g="0" b="0"/>
+        </a:fillRef>
+        <a:effectRef idx="2">
+          <a:scrgbClr r="0" g="0" b="0"/>
+        </a:effectRef>
+        <a:fontRef idx="minor">
+          <a:schemeClr val="lt1"/>
+        </a:fontRef>
+      </dsp:style>
+      <dsp:txBody>
+        <a:bodyPr spcFirstLastPara="0" vert="horz" wrap="square" lIns="53340" tIns="53340" rIns="53340" bIns="53340" numCol="1" spcCol="1270" anchor="ctr" anchorCtr="0">
+          <a:noAutofit/>
+        </a:bodyPr>
+        <a:lstStyle/>
+        <a:p>
+          <a:pPr lvl="0" algn="ctr" defTabSz="622300">
+            <a:lnSpc>
+              <a:spcPct val="90000"/>
+            </a:lnSpc>
+            <a:spcBef>
+              <a:spcPct val="0"/>
+            </a:spcBef>
+            <a:spcAft>
+              <a:spcPct val="35000"/>
+            </a:spcAft>
+          </a:pPr>
+          <a:r>
+            <a:rPr lang="pt-BR" sz="1400" b="1" kern="1200" dirty="0" smtClean="0"/>
+            <a:t>Notificações</a:t>
+          </a:r>
+          <a:endParaRPr lang="pt-BR" sz="1400" b="1" kern="1200" dirty="0"/>
+        </a:p>
+      </dsp:txBody>
+      <dsp:txXfrm>
+        <a:off x="4580447" y="1221348"/>
+        <a:ext cx="1744455" cy="1046673"/>
+      </dsp:txXfrm>
+    </dsp:sp>
   </dsp:spTree>
 </dsp:drawing>
 </file>
@@ -8190,6 +10374,664 @@
       <dsp:cNvGrpSpPr/>
     </dsp:nvGrpSpPr>
     <dsp:grpSpPr/>
+    <dsp:sp modelId="{3B155102-DB61-4F37-9D5E-2FE4AA9D8230}">
+      <dsp:nvSpPr>
+        <dsp:cNvPr id="0" name=""/>
+        <dsp:cNvSpPr/>
+      </dsp:nvSpPr>
+      <dsp:spPr>
+        <a:xfrm>
+          <a:off x="742644" y="229"/>
+          <a:ext cx="1744455" cy="1046673"/>
+        </a:xfrm>
+        <a:prstGeom prst="rect">
+          <a:avLst/>
+        </a:prstGeom>
+        <a:solidFill>
+          <a:schemeClr val="bg2">
+            <a:lumMod val="50000"/>
+          </a:schemeClr>
+        </a:solidFill>
+        <a:ln>
+          <a:noFill/>
+        </a:ln>
+        <a:effectLst>
+          <a:outerShdw blurRad="40000" dist="23000" dir="5400000" rotWithShape="0">
+            <a:srgbClr val="000000">
+              <a:alpha val="35000"/>
+            </a:srgbClr>
+          </a:outerShdw>
+        </a:effectLst>
+      </dsp:spPr>
+      <dsp:style>
+        <a:lnRef idx="0">
+          <a:scrgbClr r="0" g="0" b="0"/>
+        </a:lnRef>
+        <a:fillRef idx="3">
+          <a:scrgbClr r="0" g="0" b="0"/>
+        </a:fillRef>
+        <a:effectRef idx="2">
+          <a:scrgbClr r="0" g="0" b="0"/>
+        </a:effectRef>
+        <a:fontRef idx="minor">
+          <a:schemeClr val="lt1"/>
+        </a:fontRef>
+      </dsp:style>
+      <dsp:txBody>
+        <a:bodyPr spcFirstLastPara="0" vert="horz" wrap="square" lIns="53340" tIns="53340" rIns="53340" bIns="53340" numCol="1" spcCol="1270" anchor="ctr" anchorCtr="0">
+          <a:noAutofit/>
+        </a:bodyPr>
+        <a:lstStyle/>
+        <a:p>
+          <a:pPr lvl="0" algn="ctr" defTabSz="622300">
+            <a:lnSpc>
+              <a:spcPct val="90000"/>
+            </a:lnSpc>
+            <a:spcBef>
+              <a:spcPct val="0"/>
+            </a:spcBef>
+            <a:spcAft>
+              <a:spcPct val="35000"/>
+            </a:spcAft>
+          </a:pPr>
+          <a:endParaRPr lang="pt-BR" sz="1400" b="1" kern="1200" dirty="0" smtClean="0"/>
+        </a:p>
+        <a:p>
+          <a:pPr lvl="0" algn="ctr" defTabSz="622300">
+            <a:lnSpc>
+              <a:spcPct val="90000"/>
+            </a:lnSpc>
+            <a:spcBef>
+              <a:spcPct val="0"/>
+            </a:spcBef>
+            <a:spcAft>
+              <a:spcPct val="35000"/>
+            </a:spcAft>
+          </a:pPr>
+          <a:endParaRPr lang="pt-BR" sz="1400" b="1" kern="1200" dirty="0" smtClean="0"/>
+        </a:p>
+        <a:p>
+          <a:pPr lvl="0" algn="ctr" defTabSz="622300">
+            <a:lnSpc>
+              <a:spcPct val="90000"/>
+            </a:lnSpc>
+            <a:spcBef>
+              <a:spcPct val="0"/>
+            </a:spcBef>
+            <a:spcAft>
+              <a:spcPct val="35000"/>
+            </a:spcAft>
+          </a:pPr>
+          <a:r>
+            <a:rPr lang="pt-BR" sz="1400" b="1" kern="1200" dirty="0" smtClean="0"/>
+            <a:t>Cadastro</a:t>
+          </a:r>
+          <a:endParaRPr lang="pt-BR" sz="1400" b="1" kern="1200" dirty="0"/>
+        </a:p>
+      </dsp:txBody>
+      <dsp:txXfrm>
+        <a:off x="742644" y="229"/>
+        <a:ext cx="1744455" cy="1046673"/>
+      </dsp:txXfrm>
+    </dsp:sp>
+    <dsp:sp modelId="{A10538EE-4EF4-462C-BF91-55E8912CBCDE}">
+      <dsp:nvSpPr>
+        <dsp:cNvPr id="0" name=""/>
+        <dsp:cNvSpPr/>
+      </dsp:nvSpPr>
+      <dsp:spPr>
+        <a:xfrm>
+          <a:off x="2661546" y="229"/>
+          <a:ext cx="1744455" cy="1046673"/>
+        </a:xfrm>
+        <a:prstGeom prst="rect">
+          <a:avLst/>
+        </a:prstGeom>
+        <a:gradFill rotWithShape="0">
+          <a:gsLst>
+            <a:gs pos="0">
+              <a:schemeClr val="accent3">
+                <a:hueOff val="0"/>
+                <a:satOff val="0"/>
+                <a:lumOff val="0"/>
+                <a:alphaOff val="0"/>
+                <a:shade val="51000"/>
+                <a:satMod val="130000"/>
+              </a:schemeClr>
+            </a:gs>
+            <a:gs pos="80000">
+              <a:schemeClr val="accent3">
+                <a:hueOff val="0"/>
+                <a:satOff val="0"/>
+                <a:lumOff val="0"/>
+                <a:alphaOff val="0"/>
+                <a:shade val="93000"/>
+                <a:satMod val="130000"/>
+              </a:schemeClr>
+            </a:gs>
+            <a:gs pos="100000">
+              <a:schemeClr val="accent3">
+                <a:hueOff val="0"/>
+                <a:satOff val="0"/>
+                <a:lumOff val="0"/>
+                <a:alphaOff val="0"/>
+                <a:shade val="94000"/>
+                <a:satMod val="135000"/>
+              </a:schemeClr>
+            </a:gs>
+          </a:gsLst>
+          <a:lin ang="16200000" scaled="0"/>
+        </a:gradFill>
+        <a:ln>
+          <a:noFill/>
+        </a:ln>
+        <a:effectLst>
+          <a:outerShdw blurRad="40000" dist="23000" dir="5400000" rotWithShape="0">
+            <a:srgbClr val="000000">
+              <a:alpha val="35000"/>
+            </a:srgbClr>
+          </a:outerShdw>
+        </a:effectLst>
+      </dsp:spPr>
+      <dsp:style>
+        <a:lnRef idx="0">
+          <a:scrgbClr r="0" g="0" b="0"/>
+        </a:lnRef>
+        <a:fillRef idx="3">
+          <a:scrgbClr r="0" g="0" b="0"/>
+        </a:fillRef>
+        <a:effectRef idx="2">
+          <a:scrgbClr r="0" g="0" b="0"/>
+        </a:effectRef>
+        <a:fontRef idx="minor">
+          <a:schemeClr val="lt1"/>
+        </a:fontRef>
+      </dsp:style>
+      <dsp:txBody>
+        <a:bodyPr spcFirstLastPara="0" vert="horz" wrap="square" lIns="53340" tIns="53340" rIns="53340" bIns="53340" numCol="1" spcCol="1270" anchor="ctr" anchorCtr="0">
+          <a:noAutofit/>
+        </a:bodyPr>
+        <a:lstStyle/>
+        <a:p>
+          <a:pPr lvl="0" algn="ctr" defTabSz="622300">
+            <a:lnSpc>
+              <a:spcPct val="90000"/>
+            </a:lnSpc>
+            <a:spcBef>
+              <a:spcPct val="0"/>
+            </a:spcBef>
+            <a:spcAft>
+              <a:spcPct val="35000"/>
+            </a:spcAft>
+          </a:pPr>
+          <a:endParaRPr lang="pt-BR" sz="1400" b="1" kern="1200" dirty="0" smtClean="0"/>
+        </a:p>
+        <a:p>
+          <a:pPr lvl="0" algn="ctr" defTabSz="622300">
+            <a:lnSpc>
+              <a:spcPct val="90000"/>
+            </a:lnSpc>
+            <a:spcBef>
+              <a:spcPct val="0"/>
+            </a:spcBef>
+            <a:spcAft>
+              <a:spcPct val="35000"/>
+            </a:spcAft>
+          </a:pPr>
+          <a:endParaRPr lang="pt-BR" sz="1400" b="1" kern="1200" dirty="0" smtClean="0"/>
+        </a:p>
+        <a:p>
+          <a:pPr lvl="0" algn="ctr" defTabSz="622300">
+            <a:lnSpc>
+              <a:spcPct val="90000"/>
+            </a:lnSpc>
+            <a:spcBef>
+              <a:spcPct val="0"/>
+            </a:spcBef>
+            <a:spcAft>
+              <a:spcPct val="35000"/>
+            </a:spcAft>
+          </a:pPr>
+          <a:r>
+            <a:rPr lang="pt-BR" sz="1400" b="1" kern="1200" dirty="0" smtClean="0"/>
+            <a:t>Registro de Ponto</a:t>
+          </a:r>
+          <a:endParaRPr lang="pt-BR" sz="1400" b="1" kern="1200" dirty="0"/>
+        </a:p>
+      </dsp:txBody>
+      <dsp:txXfrm>
+        <a:off x="2661546" y="229"/>
+        <a:ext cx="1744455" cy="1046673"/>
+      </dsp:txXfrm>
+    </dsp:sp>
+    <dsp:sp modelId="{509431F4-33DA-4233-B9D5-385D2810CE3F}">
+      <dsp:nvSpPr>
+        <dsp:cNvPr id="0" name=""/>
+        <dsp:cNvSpPr/>
+      </dsp:nvSpPr>
+      <dsp:spPr>
+        <a:xfrm>
+          <a:off x="4580447" y="229"/>
+          <a:ext cx="1744455" cy="1046673"/>
+        </a:xfrm>
+        <a:prstGeom prst="rect">
+          <a:avLst/>
+        </a:prstGeom>
+        <a:solidFill>
+          <a:schemeClr val="accent1">
+            <a:lumMod val="50000"/>
+          </a:schemeClr>
+        </a:solidFill>
+        <a:ln>
+          <a:noFill/>
+        </a:ln>
+        <a:effectLst>
+          <a:outerShdw blurRad="40000" dist="23000" dir="5400000" rotWithShape="0">
+            <a:srgbClr val="000000">
+              <a:alpha val="35000"/>
+            </a:srgbClr>
+          </a:outerShdw>
+        </a:effectLst>
+      </dsp:spPr>
+      <dsp:style>
+        <a:lnRef idx="0">
+          <a:scrgbClr r="0" g="0" b="0"/>
+        </a:lnRef>
+        <a:fillRef idx="3">
+          <a:scrgbClr r="0" g="0" b="0"/>
+        </a:fillRef>
+        <a:effectRef idx="2">
+          <a:scrgbClr r="0" g="0" b="0"/>
+        </a:effectRef>
+        <a:fontRef idx="minor">
+          <a:schemeClr val="lt1"/>
+        </a:fontRef>
+      </dsp:style>
+      <dsp:txBody>
+        <a:bodyPr spcFirstLastPara="0" vert="horz" wrap="square" lIns="53340" tIns="53340" rIns="53340" bIns="53340" numCol="1" spcCol="1270" anchor="ctr" anchorCtr="0">
+          <a:noAutofit/>
+        </a:bodyPr>
+        <a:lstStyle/>
+        <a:p>
+          <a:pPr lvl="0" algn="ctr" defTabSz="622300">
+            <a:lnSpc>
+              <a:spcPct val="90000"/>
+            </a:lnSpc>
+            <a:spcBef>
+              <a:spcPct val="0"/>
+            </a:spcBef>
+            <a:spcAft>
+              <a:spcPct val="35000"/>
+            </a:spcAft>
+          </a:pPr>
+          <a:endParaRPr lang="pt-BR" sz="1400" b="1" kern="1200" dirty="0" smtClean="0"/>
+        </a:p>
+        <a:p>
+          <a:pPr lvl="0" algn="ctr" defTabSz="622300">
+            <a:lnSpc>
+              <a:spcPct val="90000"/>
+            </a:lnSpc>
+            <a:spcBef>
+              <a:spcPct val="0"/>
+            </a:spcBef>
+            <a:spcAft>
+              <a:spcPct val="35000"/>
+            </a:spcAft>
+          </a:pPr>
+          <a:endParaRPr lang="pt-BR" sz="1400" b="1" kern="1200" dirty="0" smtClean="0"/>
+        </a:p>
+        <a:p>
+          <a:pPr lvl="0" algn="ctr" defTabSz="622300">
+            <a:lnSpc>
+              <a:spcPct val="90000"/>
+            </a:lnSpc>
+            <a:spcBef>
+              <a:spcPct val="0"/>
+            </a:spcBef>
+            <a:spcAft>
+              <a:spcPct val="35000"/>
+            </a:spcAft>
+          </a:pPr>
+          <a:r>
+            <a:rPr lang="pt-BR" sz="1400" b="1" kern="1200" dirty="0" smtClean="0"/>
+            <a:t>Vendas</a:t>
+          </a:r>
+          <a:endParaRPr lang="pt-BR" sz="1400" b="1" kern="1200" dirty="0"/>
+        </a:p>
+      </dsp:txBody>
+      <dsp:txXfrm>
+        <a:off x="4580447" y="229"/>
+        <a:ext cx="1744455" cy="1046673"/>
+      </dsp:txXfrm>
+    </dsp:sp>
+    <dsp:sp modelId="{89FD4D61-DB85-4792-A828-B1F170A7D73D}">
+      <dsp:nvSpPr>
+        <dsp:cNvPr id="0" name=""/>
+        <dsp:cNvSpPr/>
+      </dsp:nvSpPr>
+      <dsp:spPr>
+        <a:xfrm>
+          <a:off x="742644" y="1221348"/>
+          <a:ext cx="1744455" cy="1046673"/>
+        </a:xfrm>
+        <a:prstGeom prst="rect">
+          <a:avLst/>
+        </a:prstGeom>
+        <a:solidFill>
+          <a:srgbClr val="FF3300"/>
+        </a:solidFill>
+        <a:ln>
+          <a:noFill/>
+        </a:ln>
+        <a:effectLst>
+          <a:outerShdw blurRad="40000" dist="23000" dir="5400000" rotWithShape="0">
+            <a:srgbClr val="000000">
+              <a:alpha val="35000"/>
+            </a:srgbClr>
+          </a:outerShdw>
+        </a:effectLst>
+      </dsp:spPr>
+      <dsp:style>
+        <a:lnRef idx="0">
+          <a:scrgbClr r="0" g="0" b="0"/>
+        </a:lnRef>
+        <a:fillRef idx="3">
+          <a:scrgbClr r="0" g="0" b="0"/>
+        </a:fillRef>
+        <a:effectRef idx="2">
+          <a:scrgbClr r="0" g="0" b="0"/>
+        </a:effectRef>
+        <a:fontRef idx="minor">
+          <a:schemeClr val="lt1"/>
+        </a:fontRef>
+      </dsp:style>
+      <dsp:txBody>
+        <a:bodyPr spcFirstLastPara="0" vert="horz" wrap="square" lIns="53340" tIns="53340" rIns="53340" bIns="53340" numCol="1" spcCol="1270" anchor="ctr" anchorCtr="0">
+          <a:noAutofit/>
+        </a:bodyPr>
+        <a:lstStyle/>
+        <a:p>
+          <a:pPr lvl="0" algn="ctr" defTabSz="622300">
+            <a:lnSpc>
+              <a:spcPct val="90000"/>
+            </a:lnSpc>
+            <a:spcBef>
+              <a:spcPct val="0"/>
+            </a:spcBef>
+            <a:spcAft>
+              <a:spcPct val="35000"/>
+            </a:spcAft>
+          </a:pPr>
+          <a:endParaRPr lang="pt-BR" sz="1400" b="1" kern="1200" dirty="0" smtClean="0"/>
+        </a:p>
+        <a:p>
+          <a:pPr lvl="0" algn="ctr" defTabSz="622300">
+            <a:lnSpc>
+              <a:spcPct val="90000"/>
+            </a:lnSpc>
+            <a:spcBef>
+              <a:spcPct val="0"/>
+            </a:spcBef>
+            <a:spcAft>
+              <a:spcPct val="35000"/>
+            </a:spcAft>
+          </a:pPr>
+          <a:endParaRPr lang="pt-BR" sz="1400" b="1" kern="1200" dirty="0" smtClean="0"/>
+        </a:p>
+        <a:p>
+          <a:pPr lvl="0" algn="ctr" defTabSz="622300">
+            <a:lnSpc>
+              <a:spcPct val="90000"/>
+            </a:lnSpc>
+            <a:spcBef>
+              <a:spcPct val="0"/>
+            </a:spcBef>
+            <a:spcAft>
+              <a:spcPct val="35000"/>
+            </a:spcAft>
+          </a:pPr>
+          <a:r>
+            <a:rPr lang="pt-BR" sz="1400" b="1" kern="1200" dirty="0" smtClean="0"/>
+            <a:t>Financeiro</a:t>
+          </a:r>
+          <a:endParaRPr lang="pt-BR" sz="1400" b="1" kern="1200" dirty="0"/>
+        </a:p>
+      </dsp:txBody>
+      <dsp:txXfrm>
+        <a:off x="742644" y="1221348"/>
+        <a:ext cx="1744455" cy="1046673"/>
+      </dsp:txXfrm>
+    </dsp:sp>
+    <dsp:sp modelId="{DDCFCFF5-2E0F-4106-A612-B36A3F7E3F8C}">
+      <dsp:nvSpPr>
+        <dsp:cNvPr id="0" name=""/>
+        <dsp:cNvSpPr/>
+      </dsp:nvSpPr>
+      <dsp:spPr>
+        <a:xfrm>
+          <a:off x="2661546" y="1221348"/>
+          <a:ext cx="1744455" cy="1046673"/>
+        </a:xfrm>
+        <a:prstGeom prst="rect">
+          <a:avLst/>
+        </a:prstGeom>
+        <a:gradFill rotWithShape="0">
+          <a:gsLst>
+            <a:gs pos="0">
+              <a:schemeClr val="accent6">
+                <a:hueOff val="0"/>
+                <a:satOff val="0"/>
+                <a:lumOff val="0"/>
+                <a:alphaOff val="0"/>
+                <a:shade val="51000"/>
+                <a:satMod val="130000"/>
+              </a:schemeClr>
+            </a:gs>
+            <a:gs pos="80000">
+              <a:schemeClr val="accent6">
+                <a:hueOff val="0"/>
+                <a:satOff val="0"/>
+                <a:lumOff val="0"/>
+                <a:alphaOff val="0"/>
+                <a:shade val="93000"/>
+                <a:satMod val="130000"/>
+              </a:schemeClr>
+            </a:gs>
+            <a:gs pos="100000">
+              <a:schemeClr val="accent6">
+                <a:hueOff val="0"/>
+                <a:satOff val="0"/>
+                <a:lumOff val="0"/>
+                <a:alphaOff val="0"/>
+                <a:shade val="94000"/>
+                <a:satMod val="135000"/>
+              </a:schemeClr>
+            </a:gs>
+          </a:gsLst>
+          <a:lin ang="16200000" scaled="0"/>
+        </a:gradFill>
+        <a:ln>
+          <a:noFill/>
+        </a:ln>
+        <a:effectLst>
+          <a:outerShdw blurRad="40000" dist="23000" dir="5400000" rotWithShape="0">
+            <a:srgbClr val="000000">
+              <a:alpha val="35000"/>
+            </a:srgbClr>
+          </a:outerShdw>
+        </a:effectLst>
+      </dsp:spPr>
+      <dsp:style>
+        <a:lnRef idx="0">
+          <a:scrgbClr r="0" g="0" b="0"/>
+        </a:lnRef>
+        <a:fillRef idx="3">
+          <a:scrgbClr r="0" g="0" b="0"/>
+        </a:fillRef>
+        <a:effectRef idx="2">
+          <a:scrgbClr r="0" g="0" b="0"/>
+        </a:effectRef>
+        <a:fontRef idx="minor">
+          <a:schemeClr val="lt1"/>
+        </a:fontRef>
+      </dsp:style>
+      <dsp:txBody>
+        <a:bodyPr spcFirstLastPara="0" vert="horz" wrap="square" lIns="53340" tIns="53340" rIns="53340" bIns="53340" numCol="1" spcCol="1270" anchor="ctr" anchorCtr="0">
+          <a:noAutofit/>
+        </a:bodyPr>
+        <a:lstStyle/>
+        <a:p>
+          <a:pPr lvl="0" algn="ctr" defTabSz="622300">
+            <a:lnSpc>
+              <a:spcPct val="90000"/>
+            </a:lnSpc>
+            <a:spcBef>
+              <a:spcPct val="0"/>
+            </a:spcBef>
+            <a:spcAft>
+              <a:spcPct val="35000"/>
+            </a:spcAft>
+          </a:pPr>
+          <a:endParaRPr lang="pt-BR" sz="1400" b="1" kern="1200" dirty="0" smtClean="0"/>
+        </a:p>
+        <a:p>
+          <a:pPr lvl="0" algn="ctr" defTabSz="622300">
+            <a:lnSpc>
+              <a:spcPct val="90000"/>
+            </a:lnSpc>
+            <a:spcBef>
+              <a:spcPct val="0"/>
+            </a:spcBef>
+            <a:spcAft>
+              <a:spcPct val="35000"/>
+            </a:spcAft>
+          </a:pPr>
+          <a:endParaRPr lang="pt-BR" sz="1400" b="1" kern="1200" dirty="0" smtClean="0"/>
+        </a:p>
+        <a:p>
+          <a:pPr lvl="0" algn="ctr" defTabSz="622300">
+            <a:lnSpc>
+              <a:spcPct val="90000"/>
+            </a:lnSpc>
+            <a:spcBef>
+              <a:spcPct val="0"/>
+            </a:spcBef>
+            <a:spcAft>
+              <a:spcPct val="35000"/>
+            </a:spcAft>
+          </a:pPr>
+          <a:r>
+            <a:rPr lang="pt-BR" sz="1400" b="1" kern="1200" dirty="0" smtClean="0"/>
+            <a:t>Gerenciamento</a:t>
+          </a:r>
+          <a:endParaRPr lang="pt-BR" sz="1400" b="1" kern="1200" dirty="0"/>
+        </a:p>
+      </dsp:txBody>
+      <dsp:txXfrm>
+        <a:off x="2661546" y="1221348"/>
+        <a:ext cx="1744455" cy="1046673"/>
+      </dsp:txXfrm>
+    </dsp:sp>
+    <dsp:sp modelId="{0F616B5A-FA5C-4A03-9C84-A3955BA658A7}">
+      <dsp:nvSpPr>
+        <dsp:cNvPr id="0" name=""/>
+        <dsp:cNvSpPr/>
+      </dsp:nvSpPr>
+      <dsp:spPr>
+        <a:xfrm>
+          <a:off x="4580447" y="1221348"/>
+          <a:ext cx="1744455" cy="1046673"/>
+        </a:xfrm>
+        <a:prstGeom prst="rect">
+          <a:avLst/>
+        </a:prstGeom>
+        <a:solidFill>
+          <a:schemeClr val="accent5">
+            <a:lumMod val="50000"/>
+          </a:schemeClr>
+        </a:solidFill>
+        <a:ln>
+          <a:noFill/>
+        </a:ln>
+        <a:effectLst>
+          <a:outerShdw blurRad="40000" dist="23000" dir="5400000" rotWithShape="0">
+            <a:srgbClr val="000000">
+              <a:alpha val="35000"/>
+            </a:srgbClr>
+          </a:outerShdw>
+        </a:effectLst>
+      </dsp:spPr>
+      <dsp:style>
+        <a:lnRef idx="0">
+          <a:scrgbClr r="0" g="0" b="0"/>
+        </a:lnRef>
+        <a:fillRef idx="3">
+          <a:scrgbClr r="0" g="0" b="0"/>
+        </a:fillRef>
+        <a:effectRef idx="2">
+          <a:scrgbClr r="0" g="0" b="0"/>
+        </a:effectRef>
+        <a:fontRef idx="minor">
+          <a:schemeClr val="lt1"/>
+        </a:fontRef>
+      </dsp:style>
+      <dsp:txBody>
+        <a:bodyPr spcFirstLastPara="0" vert="horz" wrap="square" lIns="53340" tIns="53340" rIns="53340" bIns="53340" numCol="1" spcCol="1270" anchor="ctr" anchorCtr="0">
+          <a:noAutofit/>
+        </a:bodyPr>
+        <a:lstStyle/>
+        <a:p>
+          <a:pPr lvl="0" algn="ctr" defTabSz="622300">
+            <a:lnSpc>
+              <a:spcPct val="90000"/>
+            </a:lnSpc>
+            <a:spcBef>
+              <a:spcPct val="0"/>
+            </a:spcBef>
+            <a:spcAft>
+              <a:spcPct val="35000"/>
+            </a:spcAft>
+          </a:pPr>
+          <a:endParaRPr lang="pt-BR" sz="1400" b="1" kern="1200" dirty="0" smtClean="0"/>
+        </a:p>
+        <a:p>
+          <a:pPr lvl="0" algn="ctr" defTabSz="622300">
+            <a:lnSpc>
+              <a:spcPct val="90000"/>
+            </a:lnSpc>
+            <a:spcBef>
+              <a:spcPct val="0"/>
+            </a:spcBef>
+            <a:spcAft>
+              <a:spcPct val="35000"/>
+            </a:spcAft>
+          </a:pPr>
+          <a:endParaRPr lang="pt-BR" sz="1400" b="1" kern="1200" dirty="0" smtClean="0"/>
+        </a:p>
+        <a:p>
+          <a:pPr lvl="0" algn="ctr" defTabSz="622300">
+            <a:lnSpc>
+              <a:spcPct val="90000"/>
+            </a:lnSpc>
+            <a:spcBef>
+              <a:spcPct val="0"/>
+            </a:spcBef>
+            <a:spcAft>
+              <a:spcPct val="35000"/>
+            </a:spcAft>
+          </a:pPr>
+          <a:r>
+            <a:rPr lang="pt-BR" sz="1400" b="1" kern="1200" dirty="0" smtClean="0"/>
+            <a:t>Notificações</a:t>
+          </a:r>
+          <a:endParaRPr lang="pt-BR" sz="1400" b="1" kern="1200" dirty="0"/>
+        </a:p>
+      </dsp:txBody>
+      <dsp:txXfrm>
+        <a:off x="4580447" y="1221348"/>
+        <a:ext cx="1744455" cy="1046673"/>
+      </dsp:txXfrm>
+    </dsp:sp>
   </dsp:spTree>
 </dsp:drawing>
 </file>
@@ -8202,6 +11044,742 @@
       <dsp:cNvGrpSpPr/>
     </dsp:nvGrpSpPr>
     <dsp:grpSpPr/>
+    <dsp:sp modelId="{8DB74609-33C5-4C29-B199-FC1961C1F2EE}">
+      <dsp:nvSpPr>
+        <dsp:cNvPr id="0" name=""/>
+        <dsp:cNvSpPr/>
+      </dsp:nvSpPr>
+      <dsp:spPr>
+        <a:xfrm>
+          <a:off x="1021794" y="450890"/>
+          <a:ext cx="2074551" cy="502067"/>
+        </a:xfrm>
+        <a:prstGeom prst="rect">
+          <a:avLst/>
+        </a:prstGeom>
+        <a:gradFill rotWithShape="0">
+          <a:gsLst>
+            <a:gs pos="0">
+              <a:schemeClr val="accent5">
+                <a:hueOff val="0"/>
+                <a:satOff val="0"/>
+                <a:lumOff val="0"/>
+                <a:alphaOff val="0"/>
+                <a:shade val="51000"/>
+                <a:satMod val="130000"/>
+              </a:schemeClr>
+            </a:gs>
+            <a:gs pos="80000">
+              <a:schemeClr val="accent5">
+                <a:hueOff val="0"/>
+                <a:satOff val="0"/>
+                <a:lumOff val="0"/>
+                <a:alphaOff val="0"/>
+                <a:shade val="93000"/>
+                <a:satMod val="130000"/>
+              </a:schemeClr>
+            </a:gs>
+            <a:gs pos="100000">
+              <a:schemeClr val="accent5">
+                <a:hueOff val="0"/>
+                <a:satOff val="0"/>
+                <a:lumOff val="0"/>
+                <a:alphaOff val="0"/>
+                <a:shade val="94000"/>
+                <a:satMod val="135000"/>
+              </a:schemeClr>
+            </a:gs>
+          </a:gsLst>
+          <a:lin ang="16200000" scaled="0"/>
+        </a:gradFill>
+        <a:ln>
+          <a:noFill/>
+        </a:ln>
+        <a:effectLst>
+          <a:outerShdw blurRad="40000" dist="23000" dir="5400000" rotWithShape="0">
+            <a:srgbClr val="000000">
+              <a:alpha val="35000"/>
+            </a:srgbClr>
+          </a:outerShdw>
+        </a:effectLst>
+      </dsp:spPr>
+      <dsp:style>
+        <a:lnRef idx="0">
+          <a:scrgbClr r="0" g="0" b="0"/>
+        </a:lnRef>
+        <a:fillRef idx="3">
+          <a:scrgbClr r="0" g="0" b="0"/>
+        </a:fillRef>
+        <a:effectRef idx="2">
+          <a:scrgbClr r="0" g="0" b="0"/>
+        </a:effectRef>
+        <a:fontRef idx="minor">
+          <a:schemeClr val="lt1"/>
+        </a:fontRef>
+      </dsp:style>
+      <dsp:txBody>
+        <a:bodyPr spcFirstLastPara="0" vert="horz" wrap="square" lIns="76200" tIns="76200" rIns="76200" bIns="76200" numCol="1" spcCol="1270" anchor="ctr" anchorCtr="0">
+          <a:noAutofit/>
+        </a:bodyPr>
+        <a:lstStyle/>
+        <a:p>
+          <a:pPr lvl="0" algn="ctr" defTabSz="889000">
+            <a:lnSpc>
+              <a:spcPct val="90000"/>
+            </a:lnSpc>
+            <a:spcBef>
+              <a:spcPct val="0"/>
+            </a:spcBef>
+            <a:spcAft>
+              <a:spcPct val="35000"/>
+            </a:spcAft>
+          </a:pPr>
+          <a:r>
+            <a:rPr lang="pt-BR" sz="2000" b="1" kern="1200" dirty="0" smtClean="0"/>
+            <a:t>Plantação</a:t>
+          </a:r>
+          <a:endParaRPr lang="pt-BR" sz="2000" b="1" kern="1200" dirty="0"/>
+        </a:p>
+      </dsp:txBody>
+      <dsp:txXfrm>
+        <a:off x="1021794" y="450890"/>
+        <a:ext cx="2074551" cy="502067"/>
+      </dsp:txXfrm>
+    </dsp:sp>
+    <dsp:sp modelId="{0355F7E6-60CF-4946-A0C6-18815E83F8A5}">
+      <dsp:nvSpPr>
+        <dsp:cNvPr id="0" name=""/>
+        <dsp:cNvSpPr/>
+      </dsp:nvSpPr>
+      <dsp:spPr>
+        <a:xfrm>
+          <a:off x="0" y="450890"/>
+          <a:ext cx="928903" cy="502067"/>
+        </a:xfrm>
+        <a:prstGeom prst="rect">
+          <a:avLst/>
+        </a:prstGeom>
+        <a:gradFill rotWithShape="0">
+          <a:gsLst>
+            <a:gs pos="0">
+              <a:schemeClr val="accent5">
+                <a:hueOff val="0"/>
+                <a:satOff val="0"/>
+                <a:lumOff val="0"/>
+                <a:alphaOff val="0"/>
+                <a:shade val="51000"/>
+                <a:satMod val="130000"/>
+              </a:schemeClr>
+            </a:gs>
+            <a:gs pos="80000">
+              <a:schemeClr val="accent5">
+                <a:hueOff val="0"/>
+                <a:satOff val="0"/>
+                <a:lumOff val="0"/>
+                <a:alphaOff val="0"/>
+                <a:shade val="93000"/>
+                <a:satMod val="130000"/>
+              </a:schemeClr>
+            </a:gs>
+            <a:gs pos="100000">
+              <a:schemeClr val="accent5">
+                <a:hueOff val="0"/>
+                <a:satOff val="0"/>
+                <a:lumOff val="0"/>
+                <a:alphaOff val="0"/>
+                <a:shade val="94000"/>
+                <a:satMod val="135000"/>
+              </a:schemeClr>
+            </a:gs>
+          </a:gsLst>
+          <a:lin ang="16200000" scaled="0"/>
+        </a:gradFill>
+        <a:ln w="9525" cap="flat" cmpd="sng" algn="ctr">
+          <a:solidFill>
+            <a:schemeClr val="lt1">
+              <a:hueOff val="0"/>
+              <a:satOff val="0"/>
+              <a:lumOff val="0"/>
+              <a:alphaOff val="0"/>
+            </a:schemeClr>
+          </a:solidFill>
+          <a:prstDash val="solid"/>
+        </a:ln>
+        <a:effectLst>
+          <a:outerShdw blurRad="40000" dist="23000" dir="5400000" rotWithShape="0">
+            <a:srgbClr val="000000">
+              <a:alpha val="35000"/>
+            </a:srgbClr>
+          </a:outerShdw>
+        </a:effectLst>
+      </dsp:spPr>
+      <dsp:style>
+        <a:lnRef idx="1">
+          <a:scrgbClr r="0" g="0" b="0"/>
+        </a:lnRef>
+        <a:fillRef idx="3">
+          <a:scrgbClr r="0" g="0" b="0"/>
+        </a:fillRef>
+        <a:effectRef idx="2">
+          <a:scrgbClr r="0" g="0" b="0"/>
+        </a:effectRef>
+        <a:fontRef idx="minor">
+          <a:schemeClr val="lt1"/>
+        </a:fontRef>
+      </dsp:style>
+    </dsp:sp>
+    <dsp:sp modelId="{A7921198-9BAC-4B26-8A6A-74E1ED0F631A}">
+      <dsp:nvSpPr>
+        <dsp:cNvPr id="0" name=""/>
+        <dsp:cNvSpPr/>
+      </dsp:nvSpPr>
+      <dsp:spPr>
+        <a:xfrm>
+          <a:off x="0" y="1107775"/>
+          <a:ext cx="2074551" cy="502067"/>
+        </a:xfrm>
+        <a:prstGeom prst="rect">
+          <a:avLst/>
+        </a:prstGeom>
+        <a:gradFill rotWithShape="0">
+          <a:gsLst>
+            <a:gs pos="0">
+              <a:schemeClr val="accent5">
+                <a:hueOff val="101881"/>
+                <a:satOff val="20379"/>
+                <a:lumOff val="4706"/>
+                <a:alphaOff val="0"/>
+                <a:shade val="51000"/>
+                <a:satMod val="130000"/>
+              </a:schemeClr>
+            </a:gs>
+            <a:gs pos="80000">
+              <a:schemeClr val="accent5">
+                <a:hueOff val="101881"/>
+                <a:satOff val="20379"/>
+                <a:lumOff val="4706"/>
+                <a:alphaOff val="0"/>
+                <a:shade val="93000"/>
+                <a:satMod val="130000"/>
+              </a:schemeClr>
+            </a:gs>
+            <a:gs pos="100000">
+              <a:schemeClr val="accent5">
+                <a:hueOff val="101881"/>
+                <a:satOff val="20379"/>
+                <a:lumOff val="4706"/>
+                <a:alphaOff val="0"/>
+                <a:shade val="94000"/>
+                <a:satMod val="135000"/>
+              </a:schemeClr>
+            </a:gs>
+          </a:gsLst>
+          <a:lin ang="16200000" scaled="0"/>
+        </a:gradFill>
+        <a:ln>
+          <a:noFill/>
+        </a:ln>
+        <a:effectLst>
+          <a:outerShdw blurRad="40000" dist="23000" dir="5400000" rotWithShape="0">
+            <a:srgbClr val="000000">
+              <a:alpha val="35000"/>
+            </a:srgbClr>
+          </a:outerShdw>
+        </a:effectLst>
+      </dsp:spPr>
+      <dsp:style>
+        <a:lnRef idx="0">
+          <a:scrgbClr r="0" g="0" b="0"/>
+        </a:lnRef>
+        <a:fillRef idx="3">
+          <a:scrgbClr r="0" g="0" b="0"/>
+        </a:fillRef>
+        <a:effectRef idx="2">
+          <a:scrgbClr r="0" g="0" b="0"/>
+        </a:effectRef>
+        <a:fontRef idx="minor">
+          <a:schemeClr val="lt1"/>
+        </a:fontRef>
+      </dsp:style>
+      <dsp:txBody>
+        <a:bodyPr spcFirstLastPara="0" vert="horz" wrap="square" lIns="76200" tIns="76200" rIns="76200" bIns="76200" numCol="1" spcCol="1270" anchor="ctr" anchorCtr="0">
+          <a:noAutofit/>
+        </a:bodyPr>
+        <a:lstStyle/>
+        <a:p>
+          <a:pPr lvl="0" algn="ctr" defTabSz="889000">
+            <a:lnSpc>
+              <a:spcPct val="90000"/>
+            </a:lnSpc>
+            <a:spcBef>
+              <a:spcPct val="0"/>
+            </a:spcBef>
+            <a:spcAft>
+              <a:spcPct val="35000"/>
+            </a:spcAft>
+          </a:pPr>
+          <a:r>
+            <a:rPr lang="pt-BR" sz="2000" b="1" kern="1200" dirty="0" smtClean="0"/>
+            <a:t>Praga</a:t>
+          </a:r>
+          <a:endParaRPr lang="pt-BR" sz="2000" b="1" kern="1200" dirty="0"/>
+        </a:p>
+      </dsp:txBody>
+      <dsp:txXfrm>
+        <a:off x="0" y="1107775"/>
+        <a:ext cx="2074551" cy="502067"/>
+      </dsp:txXfrm>
+    </dsp:sp>
+    <dsp:sp modelId="{1A4E5EA3-8880-4F66-A5C1-25B263526D2E}">
+      <dsp:nvSpPr>
+        <dsp:cNvPr id="0" name=""/>
+        <dsp:cNvSpPr/>
+      </dsp:nvSpPr>
+      <dsp:spPr>
+        <a:xfrm>
+          <a:off x="2167442" y="1107775"/>
+          <a:ext cx="928903" cy="502067"/>
+        </a:xfrm>
+        <a:prstGeom prst="rect">
+          <a:avLst/>
+        </a:prstGeom>
+        <a:gradFill rotWithShape="0">
+          <a:gsLst>
+            <a:gs pos="0">
+              <a:schemeClr val="accent5">
+                <a:hueOff val="101881"/>
+                <a:satOff val="20379"/>
+                <a:lumOff val="4706"/>
+                <a:alphaOff val="0"/>
+                <a:shade val="51000"/>
+                <a:satMod val="130000"/>
+              </a:schemeClr>
+            </a:gs>
+            <a:gs pos="80000">
+              <a:schemeClr val="accent5">
+                <a:hueOff val="101881"/>
+                <a:satOff val="20379"/>
+                <a:lumOff val="4706"/>
+                <a:alphaOff val="0"/>
+                <a:shade val="93000"/>
+                <a:satMod val="130000"/>
+              </a:schemeClr>
+            </a:gs>
+            <a:gs pos="100000">
+              <a:schemeClr val="accent5">
+                <a:hueOff val="101881"/>
+                <a:satOff val="20379"/>
+                <a:lumOff val="4706"/>
+                <a:alphaOff val="0"/>
+                <a:shade val="94000"/>
+                <a:satMod val="135000"/>
+              </a:schemeClr>
+            </a:gs>
+          </a:gsLst>
+          <a:lin ang="16200000" scaled="0"/>
+        </a:gradFill>
+        <a:ln w="9525" cap="flat" cmpd="sng" algn="ctr">
+          <a:solidFill>
+            <a:schemeClr val="lt1">
+              <a:hueOff val="0"/>
+              <a:satOff val="0"/>
+              <a:lumOff val="0"/>
+              <a:alphaOff val="0"/>
+            </a:schemeClr>
+          </a:solidFill>
+          <a:prstDash val="solid"/>
+        </a:ln>
+        <a:effectLst>
+          <a:outerShdw blurRad="40000" dist="23000" dir="5400000" rotWithShape="0">
+            <a:srgbClr val="000000">
+              <a:alpha val="35000"/>
+            </a:srgbClr>
+          </a:outerShdw>
+        </a:effectLst>
+      </dsp:spPr>
+      <dsp:style>
+        <a:lnRef idx="1">
+          <a:scrgbClr r="0" g="0" b="0"/>
+        </a:lnRef>
+        <a:fillRef idx="3">
+          <a:scrgbClr r="0" g="0" b="0"/>
+        </a:fillRef>
+        <a:effectRef idx="2">
+          <a:scrgbClr r="0" g="0" b="0"/>
+        </a:effectRef>
+        <a:fontRef idx="minor">
+          <a:schemeClr val="lt1"/>
+        </a:fontRef>
+      </dsp:style>
+    </dsp:sp>
+    <dsp:sp modelId="{EF6543C5-586B-4B58-A0CC-89E2316E44B9}">
+      <dsp:nvSpPr>
+        <dsp:cNvPr id="0" name=""/>
+        <dsp:cNvSpPr/>
+      </dsp:nvSpPr>
+      <dsp:spPr>
+        <a:xfrm>
+          <a:off x="1021794" y="1764660"/>
+          <a:ext cx="2074551" cy="502067"/>
+        </a:xfrm>
+        <a:prstGeom prst="rect">
+          <a:avLst/>
+        </a:prstGeom>
+        <a:gradFill rotWithShape="0">
+          <a:gsLst>
+            <a:gs pos="0">
+              <a:schemeClr val="accent5">
+                <a:hueOff val="203762"/>
+                <a:satOff val="40758"/>
+                <a:lumOff val="9412"/>
+                <a:alphaOff val="0"/>
+                <a:shade val="51000"/>
+                <a:satMod val="130000"/>
+              </a:schemeClr>
+            </a:gs>
+            <a:gs pos="80000">
+              <a:schemeClr val="accent5">
+                <a:hueOff val="203762"/>
+                <a:satOff val="40758"/>
+                <a:lumOff val="9412"/>
+                <a:alphaOff val="0"/>
+                <a:shade val="93000"/>
+                <a:satMod val="130000"/>
+              </a:schemeClr>
+            </a:gs>
+            <a:gs pos="100000">
+              <a:schemeClr val="accent5">
+                <a:hueOff val="203762"/>
+                <a:satOff val="40758"/>
+                <a:lumOff val="9412"/>
+                <a:alphaOff val="0"/>
+                <a:shade val="94000"/>
+                <a:satMod val="135000"/>
+              </a:schemeClr>
+            </a:gs>
+          </a:gsLst>
+          <a:lin ang="16200000" scaled="0"/>
+        </a:gradFill>
+        <a:ln>
+          <a:noFill/>
+        </a:ln>
+        <a:effectLst>
+          <a:outerShdw blurRad="40000" dist="23000" dir="5400000" rotWithShape="0">
+            <a:srgbClr val="000000">
+              <a:alpha val="35000"/>
+            </a:srgbClr>
+          </a:outerShdw>
+        </a:effectLst>
+      </dsp:spPr>
+      <dsp:style>
+        <a:lnRef idx="0">
+          <a:scrgbClr r="0" g="0" b="0"/>
+        </a:lnRef>
+        <a:fillRef idx="3">
+          <a:scrgbClr r="0" g="0" b="0"/>
+        </a:fillRef>
+        <a:effectRef idx="2">
+          <a:scrgbClr r="0" g="0" b="0"/>
+        </a:effectRef>
+        <a:fontRef idx="minor">
+          <a:schemeClr val="lt1"/>
+        </a:fontRef>
+      </dsp:style>
+      <dsp:txBody>
+        <a:bodyPr spcFirstLastPara="0" vert="horz" wrap="square" lIns="76200" tIns="76200" rIns="76200" bIns="76200" numCol="1" spcCol="1270" anchor="ctr" anchorCtr="0">
+          <a:noAutofit/>
+        </a:bodyPr>
+        <a:lstStyle/>
+        <a:p>
+          <a:pPr lvl="0" algn="ctr" defTabSz="889000">
+            <a:lnSpc>
+              <a:spcPct val="90000"/>
+            </a:lnSpc>
+            <a:spcBef>
+              <a:spcPct val="0"/>
+            </a:spcBef>
+            <a:spcAft>
+              <a:spcPct val="35000"/>
+            </a:spcAft>
+          </a:pPr>
+          <a:r>
+            <a:rPr lang="pt-BR" sz="2000" b="1" kern="1200" dirty="0" smtClean="0"/>
+            <a:t>Incidência</a:t>
+          </a:r>
+          <a:endParaRPr lang="pt-BR" sz="2000" b="1" kern="1200" dirty="0"/>
+        </a:p>
+      </dsp:txBody>
+      <dsp:txXfrm>
+        <a:off x="1021794" y="1764660"/>
+        <a:ext cx="2074551" cy="502067"/>
+      </dsp:txXfrm>
+    </dsp:sp>
+    <dsp:sp modelId="{A7CD0EA0-F9CA-4FB1-96E5-F19477277EB7}">
+      <dsp:nvSpPr>
+        <dsp:cNvPr id="0" name=""/>
+        <dsp:cNvSpPr/>
+      </dsp:nvSpPr>
+      <dsp:spPr>
+        <a:xfrm>
+          <a:off x="0" y="1764660"/>
+          <a:ext cx="928903" cy="502067"/>
+        </a:xfrm>
+        <a:prstGeom prst="rect">
+          <a:avLst/>
+        </a:prstGeom>
+        <a:gradFill rotWithShape="0">
+          <a:gsLst>
+            <a:gs pos="0">
+              <a:schemeClr val="accent5">
+                <a:hueOff val="203762"/>
+                <a:satOff val="40758"/>
+                <a:lumOff val="9412"/>
+                <a:alphaOff val="0"/>
+                <a:shade val="51000"/>
+                <a:satMod val="130000"/>
+              </a:schemeClr>
+            </a:gs>
+            <a:gs pos="80000">
+              <a:schemeClr val="accent5">
+                <a:hueOff val="203762"/>
+                <a:satOff val="40758"/>
+                <a:lumOff val="9412"/>
+                <a:alphaOff val="0"/>
+                <a:shade val="93000"/>
+                <a:satMod val="130000"/>
+              </a:schemeClr>
+            </a:gs>
+            <a:gs pos="100000">
+              <a:schemeClr val="accent5">
+                <a:hueOff val="203762"/>
+                <a:satOff val="40758"/>
+                <a:lumOff val="9412"/>
+                <a:alphaOff val="0"/>
+                <a:shade val="94000"/>
+                <a:satMod val="135000"/>
+              </a:schemeClr>
+            </a:gs>
+          </a:gsLst>
+          <a:lin ang="16200000" scaled="0"/>
+        </a:gradFill>
+        <a:ln w="9525" cap="flat" cmpd="sng" algn="ctr">
+          <a:solidFill>
+            <a:schemeClr val="lt1">
+              <a:hueOff val="0"/>
+              <a:satOff val="0"/>
+              <a:lumOff val="0"/>
+              <a:alphaOff val="0"/>
+            </a:schemeClr>
+          </a:solidFill>
+          <a:prstDash val="solid"/>
+        </a:ln>
+        <a:effectLst>
+          <a:outerShdw blurRad="40000" dist="23000" dir="5400000" rotWithShape="0">
+            <a:srgbClr val="000000">
+              <a:alpha val="35000"/>
+            </a:srgbClr>
+          </a:outerShdw>
+        </a:effectLst>
+      </dsp:spPr>
+      <dsp:style>
+        <a:lnRef idx="1">
+          <a:scrgbClr r="0" g="0" b="0"/>
+        </a:lnRef>
+        <a:fillRef idx="3">
+          <a:scrgbClr r="0" g="0" b="0"/>
+        </a:fillRef>
+        <a:effectRef idx="2">
+          <a:scrgbClr r="0" g="0" b="0"/>
+        </a:effectRef>
+        <a:fontRef idx="minor">
+          <a:schemeClr val="lt1"/>
+        </a:fontRef>
+      </dsp:style>
+    </dsp:sp>
+    <dsp:sp modelId="{B9EDB08E-847E-424E-B533-452F2D4072FA}">
+      <dsp:nvSpPr>
+        <dsp:cNvPr id="0" name=""/>
+        <dsp:cNvSpPr/>
+      </dsp:nvSpPr>
+      <dsp:spPr>
+        <a:xfrm>
+          <a:off x="0" y="2421545"/>
+          <a:ext cx="2074551" cy="502067"/>
+        </a:xfrm>
+        <a:prstGeom prst="rect">
+          <a:avLst/>
+        </a:prstGeom>
+        <a:gradFill rotWithShape="0">
+          <a:gsLst>
+            <a:gs pos="0">
+              <a:schemeClr val="accent5">
+                <a:hueOff val="305643"/>
+                <a:satOff val="61137"/>
+                <a:lumOff val="14118"/>
+                <a:alphaOff val="0"/>
+                <a:shade val="51000"/>
+                <a:satMod val="130000"/>
+              </a:schemeClr>
+            </a:gs>
+            <a:gs pos="80000">
+              <a:schemeClr val="accent5">
+                <a:hueOff val="305643"/>
+                <a:satOff val="61137"/>
+                <a:lumOff val="14118"/>
+                <a:alphaOff val="0"/>
+                <a:shade val="93000"/>
+                <a:satMod val="130000"/>
+              </a:schemeClr>
+            </a:gs>
+            <a:gs pos="100000">
+              <a:schemeClr val="accent5">
+                <a:hueOff val="305643"/>
+                <a:satOff val="61137"/>
+                <a:lumOff val="14118"/>
+                <a:alphaOff val="0"/>
+                <a:shade val="94000"/>
+                <a:satMod val="135000"/>
+              </a:schemeClr>
+            </a:gs>
+          </a:gsLst>
+          <a:lin ang="16200000" scaled="0"/>
+        </a:gradFill>
+        <a:ln>
+          <a:noFill/>
+        </a:ln>
+        <a:effectLst>
+          <a:outerShdw blurRad="40000" dist="23000" dir="5400000" rotWithShape="0">
+            <a:srgbClr val="000000">
+              <a:alpha val="35000"/>
+            </a:srgbClr>
+          </a:outerShdw>
+        </a:effectLst>
+      </dsp:spPr>
+      <dsp:style>
+        <a:lnRef idx="0">
+          <a:scrgbClr r="0" g="0" b="0"/>
+        </a:lnRef>
+        <a:fillRef idx="3">
+          <a:scrgbClr r="0" g="0" b="0"/>
+        </a:fillRef>
+        <a:effectRef idx="2">
+          <a:scrgbClr r="0" g="0" b="0"/>
+        </a:effectRef>
+        <a:fontRef idx="minor">
+          <a:schemeClr val="lt1"/>
+        </a:fontRef>
+      </dsp:style>
+      <dsp:txBody>
+        <a:bodyPr spcFirstLastPara="0" vert="horz" wrap="square" lIns="76200" tIns="76200" rIns="76200" bIns="76200" numCol="1" spcCol="1270" anchor="ctr" anchorCtr="0">
+          <a:noAutofit/>
+        </a:bodyPr>
+        <a:lstStyle/>
+        <a:p>
+          <a:pPr lvl="0" algn="ctr" defTabSz="889000">
+            <a:lnSpc>
+              <a:spcPct val="90000"/>
+            </a:lnSpc>
+            <a:spcBef>
+              <a:spcPct val="0"/>
+            </a:spcBef>
+            <a:spcAft>
+              <a:spcPct val="35000"/>
+            </a:spcAft>
+          </a:pPr>
+          <a:r>
+            <a:rPr lang="pt-BR" sz="2000" b="1" kern="1200" dirty="0" smtClean="0"/>
+            <a:t>Balanço Atual</a:t>
+          </a:r>
+          <a:endParaRPr lang="pt-BR" sz="2000" b="1" kern="1200" dirty="0"/>
+        </a:p>
+      </dsp:txBody>
+      <dsp:txXfrm>
+        <a:off x="0" y="2421545"/>
+        <a:ext cx="2074551" cy="502067"/>
+      </dsp:txXfrm>
+    </dsp:sp>
+    <dsp:sp modelId="{CF9BC013-1D4E-4966-9B34-28C509C8B765}">
+      <dsp:nvSpPr>
+        <dsp:cNvPr id="0" name=""/>
+        <dsp:cNvSpPr/>
+      </dsp:nvSpPr>
+      <dsp:spPr>
+        <a:xfrm>
+          <a:off x="2167442" y="2421545"/>
+          <a:ext cx="928903" cy="502067"/>
+        </a:xfrm>
+        <a:prstGeom prst="rect">
+          <a:avLst/>
+        </a:prstGeom>
+        <a:gradFill rotWithShape="0">
+          <a:gsLst>
+            <a:gs pos="0">
+              <a:schemeClr val="accent5">
+                <a:hueOff val="305643"/>
+                <a:satOff val="61137"/>
+                <a:lumOff val="14118"/>
+                <a:alphaOff val="0"/>
+                <a:shade val="51000"/>
+                <a:satMod val="130000"/>
+              </a:schemeClr>
+            </a:gs>
+            <a:gs pos="80000">
+              <a:schemeClr val="accent5">
+                <a:hueOff val="305643"/>
+                <a:satOff val="61137"/>
+                <a:lumOff val="14118"/>
+                <a:alphaOff val="0"/>
+                <a:shade val="93000"/>
+                <a:satMod val="130000"/>
+              </a:schemeClr>
+            </a:gs>
+            <a:gs pos="100000">
+              <a:schemeClr val="accent5">
+                <a:hueOff val="305643"/>
+                <a:satOff val="61137"/>
+                <a:lumOff val="14118"/>
+                <a:alphaOff val="0"/>
+                <a:shade val="94000"/>
+                <a:satMod val="135000"/>
+              </a:schemeClr>
+            </a:gs>
+          </a:gsLst>
+          <a:lin ang="16200000" scaled="0"/>
+        </a:gradFill>
+        <a:ln w="9525" cap="flat" cmpd="sng" algn="ctr">
+          <a:solidFill>
+            <a:schemeClr val="lt1">
+              <a:hueOff val="0"/>
+              <a:satOff val="0"/>
+              <a:lumOff val="0"/>
+              <a:alphaOff val="0"/>
+            </a:schemeClr>
+          </a:solidFill>
+          <a:prstDash val="solid"/>
+        </a:ln>
+        <a:effectLst>
+          <a:outerShdw blurRad="40000" dist="23000" dir="5400000" rotWithShape="0">
+            <a:srgbClr val="000000">
+              <a:alpha val="35000"/>
+            </a:srgbClr>
+          </a:outerShdw>
+        </a:effectLst>
+      </dsp:spPr>
+      <dsp:style>
+        <a:lnRef idx="1">
+          <a:scrgbClr r="0" g="0" b="0"/>
+        </a:lnRef>
+        <a:fillRef idx="3">
+          <a:scrgbClr r="0" g="0" b="0"/>
+        </a:fillRef>
+        <a:effectRef idx="2">
+          <a:scrgbClr r="0" g="0" b="0"/>
+        </a:effectRef>
+        <a:fontRef idx="minor">
+          <a:schemeClr val="lt1"/>
+        </a:fontRef>
+      </dsp:style>
+    </dsp:sp>
   </dsp:spTree>
 </dsp:drawing>
 </file>
@@ -8214,6 +11792,742 @@
       <dsp:cNvGrpSpPr/>
     </dsp:nvGrpSpPr>
     <dsp:grpSpPr/>
+    <dsp:sp modelId="{8DB74609-33C5-4C29-B199-FC1961C1F2EE}">
+      <dsp:nvSpPr>
+        <dsp:cNvPr id="0" name=""/>
+        <dsp:cNvSpPr/>
+      </dsp:nvSpPr>
+      <dsp:spPr>
+        <a:xfrm>
+          <a:off x="1021794" y="450890"/>
+          <a:ext cx="2074551" cy="502067"/>
+        </a:xfrm>
+        <a:prstGeom prst="rect">
+          <a:avLst/>
+        </a:prstGeom>
+        <a:gradFill rotWithShape="0">
+          <a:gsLst>
+            <a:gs pos="0">
+              <a:schemeClr val="accent4">
+                <a:hueOff val="0"/>
+                <a:satOff val="0"/>
+                <a:lumOff val="0"/>
+                <a:alphaOff val="0"/>
+                <a:shade val="51000"/>
+                <a:satMod val="130000"/>
+              </a:schemeClr>
+            </a:gs>
+            <a:gs pos="80000">
+              <a:schemeClr val="accent4">
+                <a:hueOff val="0"/>
+                <a:satOff val="0"/>
+                <a:lumOff val="0"/>
+                <a:alphaOff val="0"/>
+                <a:shade val="93000"/>
+                <a:satMod val="130000"/>
+              </a:schemeClr>
+            </a:gs>
+            <a:gs pos="100000">
+              <a:schemeClr val="accent4">
+                <a:hueOff val="0"/>
+                <a:satOff val="0"/>
+                <a:lumOff val="0"/>
+                <a:alphaOff val="0"/>
+                <a:shade val="94000"/>
+                <a:satMod val="135000"/>
+              </a:schemeClr>
+            </a:gs>
+          </a:gsLst>
+          <a:lin ang="16200000" scaled="0"/>
+        </a:gradFill>
+        <a:ln>
+          <a:noFill/>
+        </a:ln>
+        <a:effectLst>
+          <a:outerShdw blurRad="40000" dist="23000" dir="5400000" rotWithShape="0">
+            <a:srgbClr val="000000">
+              <a:alpha val="35000"/>
+            </a:srgbClr>
+          </a:outerShdw>
+        </a:effectLst>
+      </dsp:spPr>
+      <dsp:style>
+        <a:lnRef idx="0">
+          <a:scrgbClr r="0" g="0" b="0"/>
+        </a:lnRef>
+        <a:fillRef idx="3">
+          <a:scrgbClr r="0" g="0" b="0"/>
+        </a:fillRef>
+        <a:effectRef idx="2">
+          <a:scrgbClr r="0" g="0" b="0"/>
+        </a:effectRef>
+        <a:fontRef idx="minor">
+          <a:schemeClr val="lt1"/>
+        </a:fontRef>
+      </dsp:style>
+      <dsp:txBody>
+        <a:bodyPr spcFirstLastPara="0" vert="horz" wrap="square" lIns="76200" tIns="76200" rIns="76200" bIns="76200" numCol="1" spcCol="1270" anchor="ctr" anchorCtr="0">
+          <a:noAutofit/>
+        </a:bodyPr>
+        <a:lstStyle/>
+        <a:p>
+          <a:pPr lvl="0" algn="ctr" defTabSz="889000">
+            <a:lnSpc>
+              <a:spcPct val="90000"/>
+            </a:lnSpc>
+            <a:spcBef>
+              <a:spcPct val="0"/>
+            </a:spcBef>
+            <a:spcAft>
+              <a:spcPct val="35000"/>
+            </a:spcAft>
+          </a:pPr>
+          <a:r>
+            <a:rPr lang="pt-BR" sz="2000" b="1" kern="1200" dirty="0" smtClean="0"/>
+            <a:t>Histórico</a:t>
+          </a:r>
+          <a:endParaRPr lang="pt-BR" sz="2000" b="1" kern="1200" dirty="0"/>
+        </a:p>
+      </dsp:txBody>
+      <dsp:txXfrm>
+        <a:off x="1021794" y="450890"/>
+        <a:ext cx="2074551" cy="502067"/>
+      </dsp:txXfrm>
+    </dsp:sp>
+    <dsp:sp modelId="{0355F7E6-60CF-4946-A0C6-18815E83F8A5}">
+      <dsp:nvSpPr>
+        <dsp:cNvPr id="0" name=""/>
+        <dsp:cNvSpPr/>
+      </dsp:nvSpPr>
+      <dsp:spPr>
+        <a:xfrm>
+          <a:off x="0" y="450890"/>
+          <a:ext cx="928903" cy="502067"/>
+        </a:xfrm>
+        <a:prstGeom prst="rect">
+          <a:avLst/>
+        </a:prstGeom>
+        <a:gradFill rotWithShape="0">
+          <a:gsLst>
+            <a:gs pos="0">
+              <a:schemeClr val="accent4">
+                <a:hueOff val="0"/>
+                <a:satOff val="0"/>
+                <a:lumOff val="0"/>
+                <a:alphaOff val="0"/>
+                <a:shade val="51000"/>
+                <a:satMod val="130000"/>
+              </a:schemeClr>
+            </a:gs>
+            <a:gs pos="80000">
+              <a:schemeClr val="accent4">
+                <a:hueOff val="0"/>
+                <a:satOff val="0"/>
+                <a:lumOff val="0"/>
+                <a:alphaOff val="0"/>
+                <a:shade val="93000"/>
+                <a:satMod val="130000"/>
+              </a:schemeClr>
+            </a:gs>
+            <a:gs pos="100000">
+              <a:schemeClr val="accent4">
+                <a:hueOff val="0"/>
+                <a:satOff val="0"/>
+                <a:lumOff val="0"/>
+                <a:alphaOff val="0"/>
+                <a:shade val="94000"/>
+                <a:satMod val="135000"/>
+              </a:schemeClr>
+            </a:gs>
+          </a:gsLst>
+          <a:lin ang="16200000" scaled="0"/>
+        </a:gradFill>
+        <a:ln w="9525" cap="flat" cmpd="sng" algn="ctr">
+          <a:solidFill>
+            <a:schemeClr val="lt1">
+              <a:hueOff val="0"/>
+              <a:satOff val="0"/>
+              <a:lumOff val="0"/>
+              <a:alphaOff val="0"/>
+            </a:schemeClr>
+          </a:solidFill>
+          <a:prstDash val="solid"/>
+        </a:ln>
+        <a:effectLst>
+          <a:outerShdw blurRad="40000" dist="23000" dir="5400000" rotWithShape="0">
+            <a:srgbClr val="000000">
+              <a:alpha val="35000"/>
+            </a:srgbClr>
+          </a:outerShdw>
+        </a:effectLst>
+      </dsp:spPr>
+      <dsp:style>
+        <a:lnRef idx="1">
+          <a:scrgbClr r="0" g="0" b="0"/>
+        </a:lnRef>
+        <a:fillRef idx="3">
+          <a:scrgbClr r="0" g="0" b="0"/>
+        </a:fillRef>
+        <a:effectRef idx="2">
+          <a:scrgbClr r="0" g="0" b="0"/>
+        </a:effectRef>
+        <a:fontRef idx="minor">
+          <a:schemeClr val="lt1"/>
+        </a:fontRef>
+      </dsp:style>
+    </dsp:sp>
+    <dsp:sp modelId="{A7921198-9BAC-4B26-8A6A-74E1ED0F631A}">
+      <dsp:nvSpPr>
+        <dsp:cNvPr id="0" name=""/>
+        <dsp:cNvSpPr/>
+      </dsp:nvSpPr>
+      <dsp:spPr>
+        <a:xfrm>
+          <a:off x="0" y="1107775"/>
+          <a:ext cx="2074551" cy="502067"/>
+        </a:xfrm>
+        <a:prstGeom prst="rect">
+          <a:avLst/>
+        </a:prstGeom>
+        <a:gradFill rotWithShape="0">
+          <a:gsLst>
+            <a:gs pos="0">
+              <a:schemeClr val="accent4">
+                <a:hueOff val="-716787"/>
+                <a:satOff val="6362"/>
+                <a:lumOff val="-2157"/>
+                <a:alphaOff val="0"/>
+                <a:shade val="51000"/>
+                <a:satMod val="130000"/>
+              </a:schemeClr>
+            </a:gs>
+            <a:gs pos="80000">
+              <a:schemeClr val="accent4">
+                <a:hueOff val="-716787"/>
+                <a:satOff val="6362"/>
+                <a:lumOff val="-2157"/>
+                <a:alphaOff val="0"/>
+                <a:shade val="93000"/>
+                <a:satMod val="130000"/>
+              </a:schemeClr>
+            </a:gs>
+            <a:gs pos="100000">
+              <a:schemeClr val="accent4">
+                <a:hueOff val="-716787"/>
+                <a:satOff val="6362"/>
+                <a:lumOff val="-2157"/>
+                <a:alphaOff val="0"/>
+                <a:shade val="94000"/>
+                <a:satMod val="135000"/>
+              </a:schemeClr>
+            </a:gs>
+          </a:gsLst>
+          <a:lin ang="16200000" scaled="0"/>
+        </a:gradFill>
+        <a:ln>
+          <a:noFill/>
+        </a:ln>
+        <a:effectLst>
+          <a:outerShdw blurRad="40000" dist="23000" dir="5400000" rotWithShape="0">
+            <a:srgbClr val="000000">
+              <a:alpha val="35000"/>
+            </a:srgbClr>
+          </a:outerShdw>
+        </a:effectLst>
+      </dsp:spPr>
+      <dsp:style>
+        <a:lnRef idx="0">
+          <a:scrgbClr r="0" g="0" b="0"/>
+        </a:lnRef>
+        <a:fillRef idx="3">
+          <a:scrgbClr r="0" g="0" b="0"/>
+        </a:fillRef>
+        <a:effectRef idx="2">
+          <a:scrgbClr r="0" g="0" b="0"/>
+        </a:effectRef>
+        <a:fontRef idx="minor">
+          <a:schemeClr val="lt1"/>
+        </a:fontRef>
+      </dsp:style>
+      <dsp:txBody>
+        <a:bodyPr spcFirstLastPara="0" vert="horz" wrap="square" lIns="76200" tIns="76200" rIns="76200" bIns="76200" numCol="1" spcCol="1270" anchor="ctr" anchorCtr="0">
+          <a:noAutofit/>
+        </a:bodyPr>
+        <a:lstStyle/>
+        <a:p>
+          <a:pPr lvl="0" algn="ctr" defTabSz="889000">
+            <a:lnSpc>
+              <a:spcPct val="90000"/>
+            </a:lnSpc>
+            <a:spcBef>
+              <a:spcPct val="0"/>
+            </a:spcBef>
+            <a:spcAft>
+              <a:spcPct val="35000"/>
+            </a:spcAft>
+          </a:pPr>
+          <a:r>
+            <a:rPr lang="pt-BR" sz="2000" b="1" kern="1200" dirty="0" smtClean="0"/>
+            <a:t>Perda</a:t>
+          </a:r>
+          <a:endParaRPr lang="pt-BR" sz="2000" b="1" kern="1200" dirty="0"/>
+        </a:p>
+      </dsp:txBody>
+      <dsp:txXfrm>
+        <a:off x="0" y="1107775"/>
+        <a:ext cx="2074551" cy="502067"/>
+      </dsp:txXfrm>
+    </dsp:sp>
+    <dsp:sp modelId="{1A4E5EA3-8880-4F66-A5C1-25B263526D2E}">
+      <dsp:nvSpPr>
+        <dsp:cNvPr id="0" name=""/>
+        <dsp:cNvSpPr/>
+      </dsp:nvSpPr>
+      <dsp:spPr>
+        <a:xfrm>
+          <a:off x="2167442" y="1107775"/>
+          <a:ext cx="928903" cy="502067"/>
+        </a:xfrm>
+        <a:prstGeom prst="rect">
+          <a:avLst/>
+        </a:prstGeom>
+        <a:gradFill rotWithShape="0">
+          <a:gsLst>
+            <a:gs pos="0">
+              <a:schemeClr val="accent4">
+                <a:hueOff val="-716787"/>
+                <a:satOff val="6362"/>
+                <a:lumOff val="-2157"/>
+                <a:alphaOff val="0"/>
+                <a:shade val="51000"/>
+                <a:satMod val="130000"/>
+              </a:schemeClr>
+            </a:gs>
+            <a:gs pos="80000">
+              <a:schemeClr val="accent4">
+                <a:hueOff val="-716787"/>
+                <a:satOff val="6362"/>
+                <a:lumOff val="-2157"/>
+                <a:alphaOff val="0"/>
+                <a:shade val="93000"/>
+                <a:satMod val="130000"/>
+              </a:schemeClr>
+            </a:gs>
+            <a:gs pos="100000">
+              <a:schemeClr val="accent4">
+                <a:hueOff val="-716787"/>
+                <a:satOff val="6362"/>
+                <a:lumOff val="-2157"/>
+                <a:alphaOff val="0"/>
+                <a:shade val="94000"/>
+                <a:satMod val="135000"/>
+              </a:schemeClr>
+            </a:gs>
+          </a:gsLst>
+          <a:lin ang="16200000" scaled="0"/>
+        </a:gradFill>
+        <a:ln w="9525" cap="flat" cmpd="sng" algn="ctr">
+          <a:solidFill>
+            <a:schemeClr val="lt1">
+              <a:hueOff val="0"/>
+              <a:satOff val="0"/>
+              <a:lumOff val="0"/>
+              <a:alphaOff val="0"/>
+            </a:schemeClr>
+          </a:solidFill>
+          <a:prstDash val="solid"/>
+        </a:ln>
+        <a:effectLst>
+          <a:outerShdw blurRad="40000" dist="23000" dir="5400000" rotWithShape="0">
+            <a:srgbClr val="000000">
+              <a:alpha val="35000"/>
+            </a:srgbClr>
+          </a:outerShdw>
+        </a:effectLst>
+      </dsp:spPr>
+      <dsp:style>
+        <a:lnRef idx="1">
+          <a:scrgbClr r="0" g="0" b="0"/>
+        </a:lnRef>
+        <a:fillRef idx="3">
+          <a:scrgbClr r="0" g="0" b="0"/>
+        </a:fillRef>
+        <a:effectRef idx="2">
+          <a:scrgbClr r="0" g="0" b="0"/>
+        </a:effectRef>
+        <a:fontRef idx="minor">
+          <a:schemeClr val="lt1"/>
+        </a:fontRef>
+      </dsp:style>
+    </dsp:sp>
+    <dsp:sp modelId="{EF6543C5-586B-4B58-A0CC-89E2316E44B9}">
+      <dsp:nvSpPr>
+        <dsp:cNvPr id="0" name=""/>
+        <dsp:cNvSpPr/>
+      </dsp:nvSpPr>
+      <dsp:spPr>
+        <a:xfrm>
+          <a:off x="1021794" y="1764660"/>
+          <a:ext cx="2074551" cy="502067"/>
+        </a:xfrm>
+        <a:prstGeom prst="rect">
+          <a:avLst/>
+        </a:prstGeom>
+        <a:gradFill rotWithShape="0">
+          <a:gsLst>
+            <a:gs pos="0">
+              <a:schemeClr val="accent4">
+                <a:hueOff val="-1433573"/>
+                <a:satOff val="12725"/>
+                <a:lumOff val="-4314"/>
+                <a:alphaOff val="0"/>
+                <a:shade val="51000"/>
+                <a:satMod val="130000"/>
+              </a:schemeClr>
+            </a:gs>
+            <a:gs pos="80000">
+              <a:schemeClr val="accent4">
+                <a:hueOff val="-1433573"/>
+                <a:satOff val="12725"/>
+                <a:lumOff val="-4314"/>
+                <a:alphaOff val="0"/>
+                <a:shade val="93000"/>
+                <a:satMod val="130000"/>
+              </a:schemeClr>
+            </a:gs>
+            <a:gs pos="100000">
+              <a:schemeClr val="accent4">
+                <a:hueOff val="-1433573"/>
+                <a:satOff val="12725"/>
+                <a:lumOff val="-4314"/>
+                <a:alphaOff val="0"/>
+                <a:shade val="94000"/>
+                <a:satMod val="135000"/>
+              </a:schemeClr>
+            </a:gs>
+          </a:gsLst>
+          <a:lin ang="16200000" scaled="0"/>
+        </a:gradFill>
+        <a:ln>
+          <a:noFill/>
+        </a:ln>
+        <a:effectLst>
+          <a:outerShdw blurRad="40000" dist="23000" dir="5400000" rotWithShape="0">
+            <a:srgbClr val="000000">
+              <a:alpha val="35000"/>
+            </a:srgbClr>
+          </a:outerShdw>
+        </a:effectLst>
+      </dsp:spPr>
+      <dsp:style>
+        <a:lnRef idx="0">
+          <a:scrgbClr r="0" g="0" b="0"/>
+        </a:lnRef>
+        <a:fillRef idx="3">
+          <a:scrgbClr r="0" g="0" b="0"/>
+        </a:fillRef>
+        <a:effectRef idx="2">
+          <a:scrgbClr r="0" g="0" b="0"/>
+        </a:effectRef>
+        <a:fontRef idx="minor">
+          <a:schemeClr val="lt1"/>
+        </a:fontRef>
+      </dsp:style>
+      <dsp:txBody>
+        <a:bodyPr spcFirstLastPara="0" vert="horz" wrap="square" lIns="76200" tIns="76200" rIns="76200" bIns="76200" numCol="1" spcCol="1270" anchor="ctr" anchorCtr="0">
+          <a:noAutofit/>
+        </a:bodyPr>
+        <a:lstStyle/>
+        <a:p>
+          <a:pPr lvl="0" algn="ctr" defTabSz="889000">
+            <a:lnSpc>
+              <a:spcPct val="90000"/>
+            </a:lnSpc>
+            <a:spcBef>
+              <a:spcPct val="0"/>
+            </a:spcBef>
+            <a:spcAft>
+              <a:spcPct val="35000"/>
+            </a:spcAft>
+          </a:pPr>
+          <a:r>
+            <a:rPr lang="pt-BR" sz="2000" b="1" kern="1200" dirty="0" smtClean="0"/>
+            <a:t>Lucro</a:t>
+          </a:r>
+          <a:endParaRPr lang="pt-BR" sz="2000" b="1" kern="1200" dirty="0"/>
+        </a:p>
+      </dsp:txBody>
+      <dsp:txXfrm>
+        <a:off x="1021794" y="1764660"/>
+        <a:ext cx="2074551" cy="502067"/>
+      </dsp:txXfrm>
+    </dsp:sp>
+    <dsp:sp modelId="{A7CD0EA0-F9CA-4FB1-96E5-F19477277EB7}">
+      <dsp:nvSpPr>
+        <dsp:cNvPr id="0" name=""/>
+        <dsp:cNvSpPr/>
+      </dsp:nvSpPr>
+      <dsp:spPr>
+        <a:xfrm>
+          <a:off x="0" y="1764660"/>
+          <a:ext cx="928903" cy="502067"/>
+        </a:xfrm>
+        <a:prstGeom prst="rect">
+          <a:avLst/>
+        </a:prstGeom>
+        <a:gradFill rotWithShape="0">
+          <a:gsLst>
+            <a:gs pos="0">
+              <a:schemeClr val="accent4">
+                <a:hueOff val="-1433573"/>
+                <a:satOff val="12725"/>
+                <a:lumOff val="-4314"/>
+                <a:alphaOff val="0"/>
+                <a:shade val="51000"/>
+                <a:satMod val="130000"/>
+              </a:schemeClr>
+            </a:gs>
+            <a:gs pos="80000">
+              <a:schemeClr val="accent4">
+                <a:hueOff val="-1433573"/>
+                <a:satOff val="12725"/>
+                <a:lumOff val="-4314"/>
+                <a:alphaOff val="0"/>
+                <a:shade val="93000"/>
+                <a:satMod val="130000"/>
+              </a:schemeClr>
+            </a:gs>
+            <a:gs pos="100000">
+              <a:schemeClr val="accent4">
+                <a:hueOff val="-1433573"/>
+                <a:satOff val="12725"/>
+                <a:lumOff val="-4314"/>
+                <a:alphaOff val="0"/>
+                <a:shade val="94000"/>
+                <a:satMod val="135000"/>
+              </a:schemeClr>
+            </a:gs>
+          </a:gsLst>
+          <a:lin ang="16200000" scaled="0"/>
+        </a:gradFill>
+        <a:ln w="9525" cap="flat" cmpd="sng" algn="ctr">
+          <a:solidFill>
+            <a:schemeClr val="lt1">
+              <a:hueOff val="0"/>
+              <a:satOff val="0"/>
+              <a:lumOff val="0"/>
+              <a:alphaOff val="0"/>
+            </a:schemeClr>
+          </a:solidFill>
+          <a:prstDash val="solid"/>
+        </a:ln>
+        <a:effectLst>
+          <a:outerShdw blurRad="40000" dist="23000" dir="5400000" rotWithShape="0">
+            <a:srgbClr val="000000">
+              <a:alpha val="35000"/>
+            </a:srgbClr>
+          </a:outerShdw>
+        </a:effectLst>
+      </dsp:spPr>
+      <dsp:style>
+        <a:lnRef idx="1">
+          <a:scrgbClr r="0" g="0" b="0"/>
+        </a:lnRef>
+        <a:fillRef idx="3">
+          <a:scrgbClr r="0" g="0" b="0"/>
+        </a:fillRef>
+        <a:effectRef idx="2">
+          <a:scrgbClr r="0" g="0" b="0"/>
+        </a:effectRef>
+        <a:fontRef idx="minor">
+          <a:schemeClr val="lt1"/>
+        </a:fontRef>
+      </dsp:style>
+    </dsp:sp>
+    <dsp:sp modelId="{B9EDB08E-847E-424E-B533-452F2D4072FA}">
+      <dsp:nvSpPr>
+        <dsp:cNvPr id="0" name=""/>
+        <dsp:cNvSpPr/>
+      </dsp:nvSpPr>
+      <dsp:spPr>
+        <a:xfrm>
+          <a:off x="0" y="2421545"/>
+          <a:ext cx="2074551" cy="502067"/>
+        </a:xfrm>
+        <a:prstGeom prst="rect">
+          <a:avLst/>
+        </a:prstGeom>
+        <a:gradFill rotWithShape="0">
+          <a:gsLst>
+            <a:gs pos="0">
+              <a:schemeClr val="accent4">
+                <a:hueOff val="-2150360"/>
+                <a:satOff val="19087"/>
+                <a:lumOff val="-6471"/>
+                <a:alphaOff val="0"/>
+                <a:shade val="51000"/>
+                <a:satMod val="130000"/>
+              </a:schemeClr>
+            </a:gs>
+            <a:gs pos="80000">
+              <a:schemeClr val="accent4">
+                <a:hueOff val="-2150360"/>
+                <a:satOff val="19087"/>
+                <a:lumOff val="-6471"/>
+                <a:alphaOff val="0"/>
+                <a:shade val="93000"/>
+                <a:satMod val="130000"/>
+              </a:schemeClr>
+            </a:gs>
+            <a:gs pos="100000">
+              <a:schemeClr val="accent4">
+                <a:hueOff val="-2150360"/>
+                <a:satOff val="19087"/>
+                <a:lumOff val="-6471"/>
+                <a:alphaOff val="0"/>
+                <a:shade val="94000"/>
+                <a:satMod val="135000"/>
+              </a:schemeClr>
+            </a:gs>
+          </a:gsLst>
+          <a:lin ang="16200000" scaled="0"/>
+        </a:gradFill>
+        <a:ln>
+          <a:noFill/>
+        </a:ln>
+        <a:effectLst>
+          <a:outerShdw blurRad="40000" dist="23000" dir="5400000" rotWithShape="0">
+            <a:srgbClr val="000000">
+              <a:alpha val="35000"/>
+            </a:srgbClr>
+          </a:outerShdw>
+        </a:effectLst>
+      </dsp:spPr>
+      <dsp:style>
+        <a:lnRef idx="0">
+          <a:scrgbClr r="0" g="0" b="0"/>
+        </a:lnRef>
+        <a:fillRef idx="3">
+          <a:scrgbClr r="0" g="0" b="0"/>
+        </a:fillRef>
+        <a:effectRef idx="2">
+          <a:scrgbClr r="0" g="0" b="0"/>
+        </a:effectRef>
+        <a:fontRef idx="minor">
+          <a:schemeClr val="lt1"/>
+        </a:fontRef>
+      </dsp:style>
+      <dsp:txBody>
+        <a:bodyPr spcFirstLastPara="0" vert="horz" wrap="square" lIns="76200" tIns="76200" rIns="76200" bIns="76200" numCol="1" spcCol="1270" anchor="ctr" anchorCtr="0">
+          <a:noAutofit/>
+        </a:bodyPr>
+        <a:lstStyle/>
+        <a:p>
+          <a:pPr lvl="0" algn="ctr" defTabSz="889000">
+            <a:lnSpc>
+              <a:spcPct val="90000"/>
+            </a:lnSpc>
+            <a:spcBef>
+              <a:spcPct val="0"/>
+            </a:spcBef>
+            <a:spcAft>
+              <a:spcPct val="35000"/>
+            </a:spcAft>
+          </a:pPr>
+          <a:r>
+            <a:rPr lang="pt-BR" sz="2000" b="1" kern="1200" dirty="0" smtClean="0"/>
+            <a:t>Recomendações</a:t>
+          </a:r>
+          <a:endParaRPr lang="pt-BR" sz="2000" b="1" kern="1200" dirty="0"/>
+        </a:p>
+      </dsp:txBody>
+      <dsp:txXfrm>
+        <a:off x="0" y="2421545"/>
+        <a:ext cx="2074551" cy="502067"/>
+      </dsp:txXfrm>
+    </dsp:sp>
+    <dsp:sp modelId="{CF9BC013-1D4E-4966-9B34-28C509C8B765}">
+      <dsp:nvSpPr>
+        <dsp:cNvPr id="0" name=""/>
+        <dsp:cNvSpPr/>
+      </dsp:nvSpPr>
+      <dsp:spPr>
+        <a:xfrm>
+          <a:off x="2167442" y="2421545"/>
+          <a:ext cx="928903" cy="502067"/>
+        </a:xfrm>
+        <a:prstGeom prst="rect">
+          <a:avLst/>
+        </a:prstGeom>
+        <a:gradFill rotWithShape="0">
+          <a:gsLst>
+            <a:gs pos="0">
+              <a:schemeClr val="accent4">
+                <a:hueOff val="-2150360"/>
+                <a:satOff val="19087"/>
+                <a:lumOff val="-6471"/>
+                <a:alphaOff val="0"/>
+                <a:shade val="51000"/>
+                <a:satMod val="130000"/>
+              </a:schemeClr>
+            </a:gs>
+            <a:gs pos="80000">
+              <a:schemeClr val="accent4">
+                <a:hueOff val="-2150360"/>
+                <a:satOff val="19087"/>
+                <a:lumOff val="-6471"/>
+                <a:alphaOff val="0"/>
+                <a:shade val="93000"/>
+                <a:satMod val="130000"/>
+              </a:schemeClr>
+            </a:gs>
+            <a:gs pos="100000">
+              <a:schemeClr val="accent4">
+                <a:hueOff val="-2150360"/>
+                <a:satOff val="19087"/>
+                <a:lumOff val="-6471"/>
+                <a:alphaOff val="0"/>
+                <a:shade val="94000"/>
+                <a:satMod val="135000"/>
+              </a:schemeClr>
+            </a:gs>
+          </a:gsLst>
+          <a:lin ang="16200000" scaled="0"/>
+        </a:gradFill>
+        <a:ln w="9525" cap="flat" cmpd="sng" algn="ctr">
+          <a:solidFill>
+            <a:schemeClr val="lt1">
+              <a:hueOff val="0"/>
+              <a:satOff val="0"/>
+              <a:lumOff val="0"/>
+              <a:alphaOff val="0"/>
+            </a:schemeClr>
+          </a:solidFill>
+          <a:prstDash val="solid"/>
+        </a:ln>
+        <a:effectLst>
+          <a:outerShdw blurRad="40000" dist="23000" dir="5400000" rotWithShape="0">
+            <a:srgbClr val="000000">
+              <a:alpha val="35000"/>
+            </a:srgbClr>
+          </a:outerShdw>
+        </a:effectLst>
+      </dsp:spPr>
+      <dsp:style>
+        <a:lnRef idx="1">
+          <a:scrgbClr r="0" g="0" b="0"/>
+        </a:lnRef>
+        <a:fillRef idx="3">
+          <a:scrgbClr r="0" g="0" b="0"/>
+        </a:fillRef>
+        <a:effectRef idx="2">
+          <a:scrgbClr r="0" g="0" b="0"/>
+        </a:effectRef>
+        <a:fontRef idx="minor">
+          <a:schemeClr val="lt1"/>
+        </a:fontRef>
+      </dsp:style>
+    </dsp:sp>
   </dsp:spTree>
 </dsp:drawing>
 </file>
@@ -15693,7 +20007,7 @@
           <a:p>
             <a:fld id="{7C426EFA-6778-45D8-8D19-A3D52BFAEA7E}" type="datetimeFigureOut">
               <a:rPr lang="pt-BR" smtClean="0"/>
-              <a:t>04/03/2018</a:t>
+              <a:t>05/03/2018</a:t>
             </a:fld>
             <a:endParaRPr lang="pt-BR"/>
           </a:p>
@@ -16478,7 +20792,7 @@
           <a:p>
             <a:fld id="{A404454D-B09A-4B70-B750-7A954B6FD34F}" type="datetimeFigureOut">
               <a:rPr lang="pt-BR" smtClean="0"/>
-              <a:t>04/03/2018</a:t>
+              <a:t>05/03/2018</a:t>
             </a:fld>
             <a:endParaRPr lang="pt-BR"/>
           </a:p>
@@ -16648,7 +20962,7 @@
           <a:p>
             <a:fld id="{A404454D-B09A-4B70-B750-7A954B6FD34F}" type="datetimeFigureOut">
               <a:rPr lang="pt-BR" smtClean="0"/>
-              <a:t>04/03/2018</a:t>
+              <a:t>05/03/2018</a:t>
             </a:fld>
             <a:endParaRPr lang="pt-BR"/>
           </a:p>
@@ -16828,7 +21142,7 @@
           <a:p>
             <a:fld id="{A404454D-B09A-4B70-B750-7A954B6FD34F}" type="datetimeFigureOut">
               <a:rPr lang="pt-BR" smtClean="0"/>
-              <a:t>04/03/2018</a:t>
+              <a:t>05/03/2018</a:t>
             </a:fld>
             <a:endParaRPr lang="pt-BR"/>
           </a:p>
@@ -16998,7 +21312,7 @@
           <a:p>
             <a:fld id="{A404454D-B09A-4B70-B750-7A954B6FD34F}" type="datetimeFigureOut">
               <a:rPr lang="pt-BR" smtClean="0"/>
-              <a:t>04/03/2018</a:t>
+              <a:t>05/03/2018</a:t>
             </a:fld>
             <a:endParaRPr lang="pt-BR"/>
           </a:p>
@@ -17244,7 +21558,7 @@
           <a:p>
             <a:fld id="{A404454D-B09A-4B70-B750-7A954B6FD34F}" type="datetimeFigureOut">
               <a:rPr lang="pt-BR" smtClean="0"/>
-              <a:t>04/03/2018</a:t>
+              <a:t>05/03/2018</a:t>
             </a:fld>
             <a:endParaRPr lang="pt-BR"/>
           </a:p>
@@ -17532,7 +21846,7 @@
           <a:p>
             <a:fld id="{A404454D-B09A-4B70-B750-7A954B6FD34F}" type="datetimeFigureOut">
               <a:rPr lang="pt-BR" smtClean="0"/>
-              <a:t>04/03/2018</a:t>
+              <a:t>05/03/2018</a:t>
             </a:fld>
             <a:endParaRPr lang="pt-BR"/>
           </a:p>
@@ -17954,7 +22268,7 @@
           <a:p>
             <a:fld id="{A404454D-B09A-4B70-B750-7A954B6FD34F}" type="datetimeFigureOut">
               <a:rPr lang="pt-BR" smtClean="0"/>
-              <a:t>04/03/2018</a:t>
+              <a:t>05/03/2018</a:t>
             </a:fld>
             <a:endParaRPr lang="pt-BR"/>
           </a:p>
@@ -18072,7 +22386,7 @@
           <a:p>
             <a:fld id="{A404454D-B09A-4B70-B750-7A954B6FD34F}" type="datetimeFigureOut">
               <a:rPr lang="pt-BR" smtClean="0"/>
-              <a:t>04/03/2018</a:t>
+              <a:t>05/03/2018</a:t>
             </a:fld>
             <a:endParaRPr lang="pt-BR"/>
           </a:p>
@@ -18167,7 +22481,7 @@
           <a:p>
             <a:fld id="{A404454D-B09A-4B70-B750-7A954B6FD34F}" type="datetimeFigureOut">
               <a:rPr lang="pt-BR" smtClean="0"/>
-              <a:t>04/03/2018</a:t>
+              <a:t>05/03/2018</a:t>
             </a:fld>
             <a:endParaRPr lang="pt-BR"/>
           </a:p>
@@ -18444,7 +22758,7 @@
           <a:p>
             <a:fld id="{A404454D-B09A-4B70-B750-7A954B6FD34F}" type="datetimeFigureOut">
               <a:rPr lang="pt-BR" smtClean="0"/>
-              <a:t>04/03/2018</a:t>
+              <a:t>05/03/2018</a:t>
             </a:fld>
             <a:endParaRPr lang="pt-BR"/>
           </a:p>
@@ -18697,7 +23011,7 @@
           <a:p>
             <a:fld id="{A404454D-B09A-4B70-B750-7A954B6FD34F}" type="datetimeFigureOut">
               <a:rPr lang="pt-BR" smtClean="0"/>
-              <a:t>04/03/2018</a:t>
+              <a:t>05/03/2018</a:t>
             </a:fld>
             <a:endParaRPr lang="pt-BR"/>
           </a:p>
@@ -18910,7 +23224,7 @@
           <a:p>
             <a:fld id="{A404454D-B09A-4B70-B750-7A954B6FD34F}" type="datetimeFigureOut">
               <a:rPr lang="pt-BR" smtClean="0"/>
-              <a:t>04/03/2018</a:t>
+              <a:t>05/03/2018</a:t>
             </a:fld>
             <a:endParaRPr lang="pt-BR"/>
           </a:p>
@@ -43796,6 +48110,32 @@
           </a:extLst>
         </p:spPr>
       </p:pic>
+      <p:pic>
+        <p:nvPicPr>
+          <p:cNvPr id="23" name="Imagem 22"/>
+          <p:cNvPicPr>
+            <a:picLocks noChangeAspect="1"/>
+          </p:cNvPicPr>
+          <p:nvPr/>
+        </p:nvPicPr>
+        <p:blipFill>
+          <a:blip r:embed="rId14">
+            <a:biLevel thresh="25000"/>
+          </a:blip>
+          <a:stretch>
+            <a:fillRect/>
+          </a:stretch>
+        </p:blipFill>
+        <p:spPr>
+          <a:xfrm>
+            <a:off x="4168527" y="3555970"/>
+            <a:ext cx="803510" cy="833517"/>
+          </a:xfrm>
+          <a:prstGeom prst="rect">
+            <a:avLst/>
+          </a:prstGeom>
+        </p:spPr>
+      </p:pic>
     </p:spTree>
     <p:extLst>
       <p:ext uri="{BB962C8B-B14F-4D97-AF65-F5344CB8AC3E}">
